--- a/output/notebook_example_default.pptx
+++ b/output/notebook_example_default.pptx
@@ -17,8 +17,6 @@
     <p:sldId id="265" r:id="rId16"/>
     <p:sldId id="266" r:id="rId17"/>
     <p:sldId id="267" r:id="rId18"/>
-    <p:sldId id="268" r:id="rId19"/>
-    <p:sldId id="269" r:id="rId20"/>
   </p:sldIdLst>
   <p:sldSz cx="9144000" cy="5143500" type="screen4x3"/>
   <p:notesSz cx="6858000" cy="9144000"/>
@@ -3149,7 +3147,7 @@
                 </a:solidFill>
                 <a:latin typeface="Arial"/>
               </a:rPr>
-              <a:t>Business Analytics Report</a:t>
+              <a:t>📊 Advanced Business Analytics</a:t>
             </a:r>
           </a:p>
         </p:txBody>
@@ -3194,7 +3192,7 @@
                 </a:solidFill>
                 <a:latin typeface="Arial"/>
               </a:rPr>
-              <a:t>Q4 2024 Performance Review</a:t>
+              <a:t>Quarterly Performance Review</a:t>
             </a:r>
           </a:p>
         </p:txBody>
@@ -3208,7 +3206,7 @@
         <p:spPr>
           <a:xfrm>
             <a:off x="200025" y="876299"/>
-            <a:ext cx="8943975" cy="342900"/>
+            <a:ext cx="8943975" cy="457200"/>
           </a:xfrm>
           <a:prstGeom prst="rect">
             <a:avLst/>
@@ -3233,22 +3231,22 @@
               </a:spcAft>
             </a:pPr>
             <a:r>
+              <a:rPr sz="1000">
+                <a:solidFill>
+                  <a:srgbClr val="000000"/>
+                </a:solidFill>
+                <a:latin typeface="Arial"/>
+              </a:rPr>
+              <a:t>Presented by: </a:t>
+            </a:r>
+            <a:r>
               <a:rPr b="1" sz="1000">
                 <a:solidFill>
                   <a:srgbClr val="000000"/>
                 </a:solidFill>
                 <a:latin typeface="Arial"/>
               </a:rPr>
-              <a:t>Prepared by:</a:t>
-            </a:r>
-            <a:r>
-              <a:rPr sz="1000">
-                <a:solidFill>
-                  <a:srgbClr val="000000"/>
-                </a:solidFill>
-                <a:latin typeface="Arial"/>
-              </a:rPr>
-              <a:t> Data Science Team</a:t>
+              <a:t>Analytics Team</a:t>
             </a:r>
             <a:r>
               <a:rPr sz="1000">
@@ -3266,62 +3264,17 @@
                 </a:solidFill>
                 <a:latin typeface="Arial"/>
               </a:rPr>
-              <a:t> </a:t>
-            </a:r>
-            <a:r>
-              <a:rPr b="1" sz="1000">
-                <a:solidFill>
-                  <a:srgbClr val="000000"/>
-                </a:solidFill>
-                <a:latin typeface="Arial"/>
-              </a:rPr>
-              <a:t>Date:</a:t>
+              <a:t> Date: December 2024</a:t>
             </a:r>
             <a:r>
               <a:rPr sz="1000">
                 <a:solidFill>
                   <a:srgbClr val="000000"/>
                 </a:solidFill>
-                <a:latin typeface="Arial"/>
-              </a:rPr>
-              <a:t> December 2024</a:t>
-            </a:r>
-          </a:p>
-        </p:txBody>
-      </p:sp>
-      <p:sp>
-        <p:nvSpPr>
-          <p:cNvPr id="5" name="TextBox 4"/>
-          <p:cNvSpPr txBox="1"/>
-          <p:nvPr/>
-        </p:nvSpPr>
-        <p:spPr>
-          <a:xfrm>
-            <a:off x="200025" y="1219200"/>
-            <a:ext cx="8943975" cy="274320"/>
-          </a:xfrm>
-          <a:prstGeom prst="rect">
-            <a:avLst/>
-          </a:prstGeom>
-          <a:noFill/>
-        </p:spPr>
-        <p:txBody>
-          <a:bodyPr wrap="square" lIns="0" rIns="0" tIns="0" bIns="0">
-            <a:spAutoFit/>
-          </a:bodyPr>
-          <a:lstStyle/>
-          <a:p>
-            <a:pPr algn="l">
-              <a:lnSpc>
-                <a:spcPct val="120000"/>
-              </a:lnSpc>
-              <a:spcBef>
-                <a:spcPts val="0"/>
-              </a:spcBef>
-              <a:spcAft>
-                <a:spcPts val="0"/>
-              </a:spcAft>
-            </a:pPr>
+              </a:rPr>
+              <a:t>
+</a:t>
+            </a:r>
             <a:r>
               <a:rPr sz="1000">
                 <a:solidFill>
@@ -3329,7 +3282,7 @@
                 </a:solidFill>
                 <a:latin typeface="Arial"/>
               </a:rPr>
-              <a:t>This presentation covers our quarterly performance metrics, growth trends, and customer insights.</a:t>
+              <a:t> Quarter: Q4</a:t>
             </a:r>
           </a:p>
         </p:txBody>
@@ -3360,9 +3313,99 @@
         <p:nvPr/>
       </p:nvGrpSpPr>
       <p:grpSpPr/>
+      <p:sp>
+        <p:nvSpPr>
+          <p:cNvPr id="2" name="TextBox 1"/>
+          <p:cNvSpPr txBox="1"/>
+          <p:nvPr/>
+        </p:nvSpPr>
+        <p:spPr>
+          <a:xfrm>
+            <a:off x="200025" y="180975"/>
+            <a:ext cx="8943975" cy="390525"/>
+          </a:xfrm>
+          <a:prstGeom prst="rect">
+            <a:avLst/>
+          </a:prstGeom>
+          <a:noFill/>
+        </p:spPr>
+        <p:txBody>
+          <a:bodyPr wrap="square" lIns="0" rIns="0" tIns="0" bIns="0">
+            <a:spAutoFit/>
+          </a:bodyPr>
+          <a:lstStyle/>
+          <a:p>
+            <a:pPr algn="l">
+              <a:lnSpc>
+                <a:spcPct val="120000"/>
+              </a:lnSpc>
+              <a:spcBef>
+                <a:spcPts val="0"/>
+              </a:spcBef>
+              <a:spcAft>
+                <a:spcPts val="0"/>
+              </a:spcAft>
+            </a:pPr>
+            <a:r>
+              <a:rPr sz="1600" b="1">
+                <a:solidFill>
+                  <a:srgbClr val="000000"/>
+                </a:solidFill>
+                <a:latin typeface="Arial"/>
+              </a:rPr>
+              <a:t>Comprehensive Overview</a:t>
+            </a:r>
+          </a:p>
+        </p:txBody>
+      </p:sp>
+      <p:sp>
+        <p:nvSpPr>
+          <p:cNvPr id="3" name="TextBox 2"/>
+          <p:cNvSpPr txBox="1"/>
+          <p:nvPr/>
+        </p:nvSpPr>
+        <p:spPr>
+          <a:xfrm>
+            <a:off x="247649" y="571500"/>
+            <a:ext cx="8896350" cy="274320"/>
+          </a:xfrm>
+          <a:prstGeom prst="rect">
+            <a:avLst/>
+          </a:prstGeom>
+          <a:noFill/>
+        </p:spPr>
+        <p:txBody>
+          <a:bodyPr wrap="square" lIns="0" rIns="0" tIns="0" bIns="0">
+            <a:spAutoFit/>
+          </a:bodyPr>
+          <a:lstStyle/>
+          <a:p>
+            <a:pPr algn="l">
+              <a:lnSpc>
+                <a:spcPct val="120000"/>
+              </a:lnSpc>
+              <a:spcBef>
+                <a:spcPts val="0"/>
+              </a:spcBef>
+              <a:spcAft>
+                <a:spcPts val="0"/>
+              </a:spcAft>
+            </a:pPr>
+            <a:r>
+              <a:rPr sz="1100" b="1">
+                <a:solidFill>
+                  <a:srgbClr val="000000"/>
+                </a:solidFill>
+                <a:latin typeface="Arial"/>
+              </a:rPr>
+              <a:t>Performance Metrics</a:t>
+            </a:r>
+          </a:p>
+        </p:txBody>
+      </p:sp>
       <p:pic>
         <p:nvPicPr>
-          <p:cNvPr id="2" name="Picture 1" descr="market_share_aa9a6e86.png"/>
+          <p:cNvPr id="4" name="Picture 3" descr="slide_bc8113d8_create_sales_chart.png"/>
           <p:cNvPicPr>
             <a:picLocks noChangeAspect="1"/>
           </p:cNvPicPr>
@@ -3376,50 +3419,24 @@
         </p:blipFill>
         <p:spPr>
           <a:xfrm>
-            <a:off x="200025" y="180975"/>
-            <a:ext cx="6115050" cy="5886450"/>
+            <a:off x="247649" y="838200"/>
+            <a:ext cx="5067299" cy="3152775"/>
           </a:xfrm>
           <a:prstGeom prst="rect">
             <a:avLst/>
           </a:prstGeom>
         </p:spPr>
       </p:pic>
-    </p:spTree>
-  </p:cSld>
-  <p:clrMapOvr>
-    <a:masterClrMapping/>
-  </p:clrMapOvr>
-</p:sld>
-</file>
-
-<file path=ppt/slides/slide11.xml><?xml version="1.0" encoding="utf-8"?>
-<p:sld xmlns:a="http://schemas.openxmlformats.org/drawingml/2006/main" xmlns:p="http://schemas.openxmlformats.org/presentationml/2006/main" xmlns:r="http://schemas.openxmlformats.org/officeDocument/2006/relationships">
-  <p:cSld>
-    <p:bg>
-      <p:bgPr>
-        <a:solidFill>
-          <a:srgbClr val="FFFFFF"/>
-        </a:solidFill>
-        <a:effectLst/>
-      </p:bgPr>
-    </p:bg>
-    <p:spTree>
-      <p:nvGrpSpPr>
-        <p:cNvPr id="1" name=""/>
-        <p:cNvGrpSpPr/>
-        <p:nvPr/>
-      </p:nvGrpSpPr>
-      <p:grpSpPr/>
-      <p:sp>
-        <p:nvSpPr>
-          <p:cNvPr id="2" name="TextBox 1"/>
+      <p:sp>
+        <p:nvSpPr>
+          <p:cNvPr id="5" name="TextBox 4"/>
           <p:cNvSpPr txBox="1"/>
           <p:nvPr/>
         </p:nvSpPr>
         <p:spPr>
           <a:xfrm>
-            <a:off x="200025" y="180975"/>
-            <a:ext cx="8943975" cy="274320"/>
+            <a:off x="247649" y="8534399"/>
+            <a:ext cx="8896350" cy="274320"/>
           </a:xfrm>
           <a:prstGeom prst="rect">
             <a:avLst/>
@@ -3450,21 +3467,21 @@
                 </a:solidFill>
                 <a:latin typeface="Arial"/>
               </a:rPr>
-              <a:t>Product Performance:</a:t>
-            </a:r>
-          </a:p>
-        </p:txBody>
-      </p:sp>
-      <p:sp>
-        <p:nvSpPr>
-          <p:cNvPr id="3" name="TextBox 2"/>
+              <a:t>Key Highlights:</a:t>
+            </a:r>
+          </a:p>
+        </p:txBody>
+      </p:sp>
+      <p:sp>
+        <p:nvSpPr>
+          <p:cNvPr id="6" name="TextBox 5"/>
           <p:cNvSpPr txBox="1"/>
           <p:nvPr/>
         </p:nvSpPr>
         <p:spPr>
           <a:xfrm>
-            <a:off x="200025" y="409574"/>
-            <a:ext cx="8943975" cy="678180"/>
+            <a:off x="247649" y="8762999"/>
+            <a:ext cx="8896350" cy="405765"/>
           </a:xfrm>
           <a:prstGeom prst="rect">
             <a:avLst/>
@@ -3501,7 +3518,7 @@
                 </a:solidFill>
                 <a:latin typeface="Arial"/>
               </a:rPr>
-              <a:t>Product A maintains market leadership</a:t>
+              <a:t>Revenue: $4.05M</a:t>
             </a:r>
           </a:p>
           <a:p>
@@ -3522,89 +3539,21 @@
                 </a:solidFill>
                 <a:latin typeface="Arial"/>
               </a:rPr>
-              <a:t>Product B shows strong competitive position</a:t>
-            </a:r>
-          </a:p>
-          <a:p>
-            <a:pPr algn="l"/>
-            <a:r>
-              <a:rPr sz="1000">
-                <a:solidFill>
-                  <a:srgbClr val="000000"/>
-                </a:solidFill>
-                <a:latin typeface="Arial"/>
-              </a:rPr>
-              <a:t>• </a:t>
-            </a:r>
-            <a:r>
-              <a:rPr sz="1000">
-                <a:solidFill>
-                  <a:srgbClr val="000000"/>
-                </a:solidFill>
-                <a:latin typeface="Arial"/>
-              </a:rPr>
-              <a:t>Products C &amp; D have equal market share</a:t>
-            </a:r>
-          </a:p>
-          <a:p>
-            <a:pPr algn="l"/>
-            <a:r>
-              <a:rPr sz="1000">
-                <a:solidFill>
-                  <a:srgbClr val="000000"/>
-                </a:solidFill>
-                <a:latin typeface="Arial"/>
-              </a:rPr>
-              <a:t>• </a:t>
-            </a:r>
-            <a:r>
-              <a:rPr sz="1000">
-                <a:solidFill>
-                  <a:srgbClr val="000000"/>
-                </a:solidFill>
-                <a:latin typeface="Arial"/>
-              </a:rPr>
-              <a:t>Total market coverage: 100%</a:t>
-            </a:r>
-          </a:p>
-        </p:txBody>
-      </p:sp>
-    </p:spTree>
-  </p:cSld>
-  <p:clrMapOvr>
-    <a:masterClrMapping/>
-  </p:clrMapOvr>
-</p:sld>
-</file>
-
-<file path=ppt/slides/slide12.xml><?xml version="1.0" encoding="utf-8"?>
-<p:sld xmlns:a="http://schemas.openxmlformats.org/drawingml/2006/main" xmlns:p="http://schemas.openxmlformats.org/presentationml/2006/main" xmlns:r="http://schemas.openxmlformats.org/officeDocument/2006/relationships">
-  <p:cSld>
-    <p:bg>
-      <p:bgPr>
-        <a:solidFill>
-          <a:srgbClr val="FFFFFF"/>
-        </a:solidFill>
-        <a:effectLst/>
-      </p:bgPr>
-    </p:bg>
-    <p:spTree>
-      <p:nvGrpSpPr>
-        <p:cNvPr id="1" name=""/>
-        <p:cNvGrpSpPr/>
-        <p:nvPr/>
-      </p:nvGrpSpPr>
-      <p:grpSpPr/>
-      <p:sp>
-        <p:nvSpPr>
-          <p:cNvPr id="2" name="TextBox 1"/>
+              <a:t>Growth: 12.6%</a:t>
+            </a:r>
+          </a:p>
+        </p:txBody>
+      </p:sp>
+      <p:sp>
+        <p:nvSpPr>
+          <p:cNvPr id="7" name="TextBox 6"/>
           <p:cNvSpPr txBox="1"/>
           <p:nvPr/>
         </p:nvSpPr>
         <p:spPr>
           <a:xfrm>
-            <a:off x="200025" y="180975"/>
-            <a:ext cx="8943975" cy="390525"/>
+            <a:off x="5724524" y="691514"/>
+            <a:ext cx="3419474" cy="274320"/>
           </a:xfrm>
           <a:prstGeom prst="rect">
             <a:avLst/>
@@ -3629,265 +3578,13 @@
               </a:spcAft>
             </a:pPr>
             <a:r>
-              <a:rPr sz="1600" b="1">
-                <a:solidFill>
-                  <a:srgbClr val="000000"/>
-                </a:solidFill>
-                <a:latin typeface="Arial"/>
-              </a:rPr>
-              <a:t>Financial Projections</a:t>
-            </a:r>
-          </a:p>
-        </p:txBody>
-      </p:sp>
-      <p:sp>
-        <p:nvSpPr>
-          <p:cNvPr id="3" name="TextBox 2"/>
-          <p:cNvSpPr txBox="1"/>
-          <p:nvPr/>
-        </p:nvSpPr>
-        <p:spPr>
-          <a:xfrm>
-            <a:off x="200025" y="571500"/>
-            <a:ext cx="8943975" cy="304800"/>
-          </a:xfrm>
-          <a:prstGeom prst="rect">
-            <a:avLst/>
-          </a:prstGeom>
-          <a:noFill/>
-        </p:spPr>
-        <p:txBody>
-          <a:bodyPr wrap="square" lIns="0" rIns="0" tIns="0" bIns="0">
-            <a:spAutoFit/>
-          </a:bodyPr>
-          <a:lstStyle/>
-          <a:p>
-            <a:pPr algn="l">
-              <a:lnSpc>
-                <a:spcPct val="120000"/>
-              </a:lnSpc>
-              <a:spcBef>
-                <a:spcPts val="0"/>
-              </a:spcBef>
-              <a:spcAft>
-                <a:spcPts val="0"/>
-              </a:spcAft>
-            </a:pPr>
-            <a:r>
-              <a:rPr sz="1300" b="1">
-                <a:solidFill>
-                  <a:srgbClr val="000000"/>
-                </a:solidFill>
-                <a:latin typeface="Arial"/>
-              </a:rPr>
-              <a:t>Revenue Growth Model</a:t>
-            </a:r>
-          </a:p>
-        </p:txBody>
-      </p:sp>
-      <p:sp>
-        <p:nvSpPr>
-          <p:cNvPr id="4" name="TextBox 3"/>
-          <p:cNvSpPr txBox="1"/>
-          <p:nvPr/>
-        </p:nvSpPr>
-        <p:spPr>
-          <a:xfrm>
-            <a:off x="200025" y="885825"/>
-            <a:ext cx="8943975" cy="274320"/>
-          </a:xfrm>
-          <a:prstGeom prst="rect">
-            <a:avLst/>
-          </a:prstGeom>
-          <a:noFill/>
-        </p:spPr>
-        <p:txBody>
-          <a:bodyPr wrap="square" lIns="0" rIns="0" tIns="0" bIns="0">
-            <a:spAutoFit/>
-          </a:bodyPr>
-          <a:lstStyle/>
-          <a:p>
-            <a:pPr algn="l">
-              <a:lnSpc>
-                <a:spcPct val="120000"/>
-              </a:lnSpc>
-              <a:spcBef>
-                <a:spcPts val="0"/>
-              </a:spcBef>
-              <a:spcAft>
-                <a:spcPts val="0"/>
-              </a:spcAft>
-            </a:pPr>
-            <a:r>
-              <a:rPr sz="1000">
-                <a:solidFill>
-                  <a:srgbClr val="000000"/>
-                </a:solidFill>
-                <a:latin typeface="Arial"/>
-              </a:rPr>
-              <a:t>Our revenue follows the exponential growth model:</a:t>
-            </a:r>
-          </a:p>
-        </p:txBody>
-      </p:sp>
-      <p:pic>
-        <p:nvPicPr>
-          <p:cNvPr id="5" name="Picture 4" descr="524a9665fcdd58ea82d9909bfe332acc.png"/>
-          <p:cNvPicPr>
-            <a:picLocks noChangeAspect="1"/>
-          </p:cNvPicPr>
-          <p:nvPr/>
-        </p:nvPicPr>
-        <p:blipFill>
-          <a:blip r:embed="rId2"/>
-          <a:stretch>
-            <a:fillRect/>
-          </a:stretch>
-        </p:blipFill>
-        <p:spPr>
-          <a:xfrm>
-            <a:off x="838200" y="1038224"/>
-            <a:ext cx="7467599" cy="228600"/>
-          </a:xfrm>
-          <a:prstGeom prst="rect">
-            <a:avLst/>
-          </a:prstGeom>
-        </p:spPr>
-      </p:pic>
-      <p:sp>
-        <p:nvSpPr>
-          <p:cNvPr id="6" name="TextBox 5"/>
-          <p:cNvSpPr txBox="1"/>
-          <p:nvPr/>
-        </p:nvSpPr>
-        <p:spPr>
-          <a:xfrm>
-            <a:off x="200025" y="1409699"/>
-            <a:ext cx="8943975" cy="274320"/>
-          </a:xfrm>
-          <a:prstGeom prst="rect">
-            <a:avLst/>
-          </a:prstGeom>
-          <a:noFill/>
-        </p:spPr>
-        <p:txBody>
-          <a:bodyPr wrap="square" lIns="0" rIns="0" tIns="0" bIns="0">
-            <a:spAutoFit/>
-          </a:bodyPr>
-          <a:lstStyle/>
-          <a:p>
-            <a:pPr algn="l">
-              <a:lnSpc>
-                <a:spcPct val="120000"/>
-              </a:lnSpc>
-              <a:spcBef>
-                <a:spcPts val="0"/>
-              </a:spcBef>
-              <a:spcAft>
-                <a:spcPts val="0"/>
-              </a:spcAft>
-            </a:pPr>
-            <a:r>
-              <a:rPr sz="1000">
-                <a:solidFill>
-                  <a:srgbClr val="000000"/>
-                </a:solidFill>
-                <a:latin typeface="Arial"/>
-              </a:rPr>
-              <a:t>Where:</a:t>
-            </a:r>
-          </a:p>
-        </p:txBody>
-      </p:sp>
-      <p:sp>
-        <p:nvSpPr>
-          <p:cNvPr id="7" name="TextBox 6"/>
-          <p:cNvSpPr txBox="1"/>
-          <p:nvPr/>
-        </p:nvSpPr>
-        <p:spPr>
-          <a:xfrm>
-            <a:off x="200025" y="1638299"/>
-            <a:ext cx="8943975" cy="541972"/>
-          </a:xfrm>
-          <a:prstGeom prst="rect">
-            <a:avLst/>
-          </a:prstGeom>
-          <a:noFill/>
-        </p:spPr>
-        <p:txBody>
-          <a:bodyPr wrap="square" lIns="0" rIns="0" tIns="0" bIns="0">
-            <a:spAutoFit/>
-          </a:bodyPr>
-          <a:lstStyle/>
-          <a:p>
-            <a:pPr algn="l">
-              <a:spcBef>
-                <a:spcPts val="0"/>
-              </a:spcBef>
-              <a:spcAft>
-                <a:spcPts val="0"/>
-              </a:spcAft>
-            </a:pPr>
-            <a:r>
-              <a:rPr sz="1000">
-                <a:solidFill>
-                  <a:srgbClr val="000000"/>
-                </a:solidFill>
-                <a:latin typeface="Arial"/>
-              </a:rPr>
-              <a:t>• </a:t>
-            </a:r>
-            <a:r>
-              <a:rPr sz="1000">
-                <a:solidFill>
-                  <a:srgbClr val="000000"/>
-                </a:solidFill>
-                <a:latin typeface="Arial"/>
-              </a:rPr>
-              <a:t>= Initial revenue</a:t>
-            </a:r>
-          </a:p>
-          <a:p>
-            <a:pPr algn="l"/>
-            <a:r>
-              <a:rPr sz="1000">
-                <a:solidFill>
-                  <a:srgbClr val="000000"/>
-                </a:solidFill>
-                <a:latin typeface="Arial"/>
-              </a:rPr>
-              <a:t>• </a:t>
-            </a:r>
-            <a:r>
-              <a:rPr sz="1000">
-                <a:solidFill>
-                  <a:srgbClr val="000000"/>
-                </a:solidFill>
-                <a:latin typeface="Arial"/>
-              </a:rPr>
-              <a:t>= Growth rate</a:t>
-            </a:r>
-          </a:p>
-          <a:p>
-            <a:pPr algn="l"/>
-            <a:r>
-              <a:rPr sz="1000">
-                <a:solidFill>
-                  <a:srgbClr val="000000"/>
-                </a:solidFill>
-                <a:latin typeface="Arial"/>
-              </a:rPr>
-              <a:t>• </a:t>
-            </a:r>
-            <a:r>
-              <a:rPr sz="1000">
-                <a:solidFill>
-                  <a:srgbClr val="000000"/>
-                </a:solidFill>
-                <a:latin typeface="Arial"/>
-              </a:rPr>
-              <a:t>= Time period</a:t>
+              <a:rPr sz="1100" b="1">
+                <a:solidFill>
+                  <a:srgbClr val="000000"/>
+                </a:solidFill>
+                <a:latin typeface="Arial"/>
+              </a:rPr>
+              <a:t>Quarterly Summary</a:t>
             </a:r>
           </a:p>
         </p:txBody>
@@ -3900,301 +3597,8 @@
         </p:nvSpPr>
         <p:spPr>
           <a:xfrm>
-            <a:off x="200025" y="2180272"/>
-            <a:ext cx="8943975" cy="274320"/>
-          </a:xfrm>
-          <a:prstGeom prst="rect">
-            <a:avLst/>
-          </a:prstGeom>
-          <a:noFill/>
-        </p:spPr>
-        <p:txBody>
-          <a:bodyPr wrap="square" lIns="0" rIns="0" tIns="0" bIns="0">
-            <a:spAutoFit/>
-          </a:bodyPr>
-          <a:lstStyle/>
-          <a:p>
-            <a:pPr algn="l">
-              <a:lnSpc>
-                <a:spcPct val="120000"/>
-              </a:lnSpc>
-              <a:spcBef>
-                <a:spcPts val="0"/>
-              </a:spcBef>
-              <a:spcAft>
-                <a:spcPts val="0"/>
-              </a:spcAft>
-            </a:pPr>
-            <a:r>
-              <a:rPr b="1" sz="1000">
-                <a:solidFill>
-                  <a:srgbClr val="000000"/>
-                </a:solidFill>
-                <a:latin typeface="Arial"/>
-              </a:rPr>
-              <a:t>Projected Revenue for 2025:</a:t>
-            </a:r>
-          </a:p>
-        </p:txBody>
-      </p:sp>
-      <p:sp>
-        <p:nvSpPr>
-          <p:cNvPr id="9" name="TextBox 8"/>
-          <p:cNvSpPr txBox="1"/>
-          <p:nvPr/>
-        </p:nvSpPr>
-        <p:spPr>
-          <a:xfrm>
-            <a:off x="200025" y="2408872"/>
-            <a:ext cx="8943975" cy="333375"/>
-          </a:xfrm>
-          <a:prstGeom prst="rect">
-            <a:avLst/>
-          </a:prstGeom>
-          <a:noFill/>
-        </p:spPr>
-        <p:txBody>
-          <a:bodyPr wrap="square" lIns="0" rIns="0" tIns="0" bIns="0">
-            <a:spAutoFit/>
-          </a:bodyPr>
-          <a:lstStyle/>
-          <a:p>
-            <a:pPr algn="l">
-              <a:lnSpc>
-                <a:spcPct val="120000"/>
-              </a:lnSpc>
-              <a:spcBef>
-                <a:spcPts val="0"/>
-              </a:spcBef>
-              <a:spcAft>
-                <a:spcPts val="0"/>
-              </a:spcAft>
-            </a:pPr>
-            <a:r>
-              <a:rPr sz="1000">
-                <a:solidFill>
-                  <a:srgbClr val="000000"/>
-                </a:solidFill>
-                <a:latin typeface="Arial"/>
-              </a:rPr>
-              <a:t>Given our current growth rate of $r = 0.15$, we project:</a:t>
-            </a:r>
-          </a:p>
-        </p:txBody>
-      </p:sp>
-      <p:pic>
-        <p:nvPicPr>
-          <p:cNvPr id="10" name="Picture 9" descr="904c99370223c649f851f741c527d084.png"/>
-          <p:cNvPicPr>
-            <a:picLocks noChangeAspect="1"/>
-          </p:cNvPicPr>
-          <p:nvPr/>
-        </p:nvPicPr>
-        <p:blipFill>
-          <a:blip r:embed="rId3"/>
-          <a:stretch>
-            <a:fillRect/>
-          </a:stretch>
-        </p:blipFill>
-        <p:spPr>
-          <a:xfrm>
-            <a:off x="838200" y="2514600"/>
-            <a:ext cx="7467599" cy="228600"/>
-          </a:xfrm>
-          <a:prstGeom prst="rect">
-            <a:avLst/>
-          </a:prstGeom>
-        </p:spPr>
-      </p:pic>
-      <p:sp>
-        <p:nvSpPr>
-          <p:cNvPr id="11" name="TextBox 10"/>
-          <p:cNvSpPr txBox="1"/>
-          <p:nvPr/>
-        </p:nvSpPr>
-        <p:spPr>
-          <a:xfrm>
-            <a:off x="200025" y="3047047"/>
-            <a:ext cx="8943975" cy="274320"/>
-          </a:xfrm>
-          <a:prstGeom prst="rect">
-            <a:avLst/>
-          </a:prstGeom>
-          <a:noFill/>
-        </p:spPr>
-        <p:txBody>
-          <a:bodyPr wrap="square" lIns="0" rIns="0" tIns="0" bIns="0">
-            <a:spAutoFit/>
-          </a:bodyPr>
-          <a:lstStyle/>
-          <a:p>
-            <a:pPr algn="l">
-              <a:lnSpc>
-                <a:spcPct val="120000"/>
-              </a:lnSpc>
-              <a:spcBef>
-                <a:spcPts val="0"/>
-              </a:spcBef>
-              <a:spcAft>
-                <a:spcPts val="0"/>
-              </a:spcAft>
-            </a:pPr>
-            <a:r>
-              <a:rPr sz="1000">
-                <a:solidFill>
-                  <a:srgbClr val="000000"/>
-                </a:solidFill>
-                <a:latin typeface="Arial"/>
-              </a:rPr>
-              <a:t>This represents a </a:t>
-            </a:r>
-            <a:r>
-              <a:rPr b="1" sz="1000">
-                <a:solidFill>
-                  <a:srgbClr val="000000"/>
-                </a:solidFill>
-                <a:latin typeface="Arial"/>
-              </a:rPr>
-              <a:t>504% increase</a:t>
-            </a:r>
-            <a:r>
-              <a:rPr sz="1000">
-                <a:solidFill>
-                  <a:srgbClr val="000000"/>
-                </a:solidFill>
-                <a:latin typeface="Arial"/>
-              </a:rPr>
-              <a:t> from our current baseline.</a:t>
-            </a:r>
-          </a:p>
-        </p:txBody>
-      </p:sp>
-    </p:spTree>
-  </p:cSld>
-  <p:clrMapOvr>
-    <a:masterClrMapping/>
-  </p:clrMapOvr>
-</p:sld>
-</file>
-
-<file path=ppt/slides/slide13.xml><?xml version="1.0" encoding="utf-8"?>
-<p:sld xmlns:a="http://schemas.openxmlformats.org/drawingml/2006/main" xmlns:p="http://schemas.openxmlformats.org/presentationml/2006/main" xmlns:r="http://schemas.openxmlformats.org/officeDocument/2006/relationships">
-  <p:cSld>
-    <p:bg>
-      <p:bgPr>
-        <a:solidFill>
-          <a:srgbClr val="FFFFFF"/>
-        </a:solidFill>
-        <a:effectLst/>
-      </p:bgPr>
-    </p:bg>
-    <p:spTree>
-      <p:nvGrpSpPr>
-        <p:cNvPr id="1" name=""/>
-        <p:cNvGrpSpPr/>
-        <p:nvPr/>
-      </p:nvGrpSpPr>
-      <p:grpSpPr/>
-      <p:sp>
-        <p:nvSpPr>
-          <p:cNvPr id="2" name="TextBox 1"/>
-          <p:cNvSpPr txBox="1"/>
-          <p:nvPr/>
-        </p:nvSpPr>
-        <p:spPr>
-          <a:xfrm>
-            <a:off x="200025" y="180975"/>
-            <a:ext cx="8943975" cy="390525"/>
-          </a:xfrm>
-          <a:prstGeom prst="rect">
-            <a:avLst/>
-          </a:prstGeom>
-          <a:noFill/>
-        </p:spPr>
-        <p:txBody>
-          <a:bodyPr wrap="square" lIns="0" rIns="0" tIns="0" bIns="0">
-            <a:spAutoFit/>
-          </a:bodyPr>
-          <a:lstStyle/>
-          <a:p>
-            <a:pPr algn="l">
-              <a:lnSpc>
-                <a:spcPct val="120000"/>
-              </a:lnSpc>
-              <a:spcBef>
-                <a:spcPts val="0"/>
-              </a:spcBef>
-              <a:spcAft>
-                <a:spcPts val="0"/>
-              </a:spcAft>
-            </a:pPr>
-            <a:r>
-              <a:rPr sz="1600" b="1">
-                <a:solidFill>
-                  <a:srgbClr val="000000"/>
-                </a:solidFill>
-                <a:latin typeface="Arial"/>
-              </a:rPr>
-              <a:t>Investment Analysis</a:t>
-            </a:r>
-          </a:p>
-        </p:txBody>
-      </p:sp>
-      <p:sp>
-        <p:nvSpPr>
-          <p:cNvPr id="3" name="TextBox 2"/>
-          <p:cNvSpPr txBox="1"/>
-          <p:nvPr/>
-        </p:nvSpPr>
-        <p:spPr>
-          <a:xfrm>
-            <a:off x="200025" y="571500"/>
-            <a:ext cx="8943975" cy="304800"/>
-          </a:xfrm>
-          <a:prstGeom prst="rect">
-            <a:avLst/>
-          </a:prstGeom>
-          <a:noFill/>
-        </p:spPr>
-        <p:txBody>
-          <a:bodyPr wrap="square" lIns="0" rIns="0" tIns="0" bIns="0">
-            <a:spAutoFit/>
-          </a:bodyPr>
-          <a:lstStyle/>
-          <a:p>
-            <a:pPr algn="l">
-              <a:lnSpc>
-                <a:spcPct val="120000"/>
-              </a:lnSpc>
-              <a:spcBef>
-                <a:spcPts val="0"/>
-              </a:spcBef>
-              <a:spcAft>
-                <a:spcPts val="0"/>
-              </a:spcAft>
-            </a:pPr>
-            <a:r>
-              <a:rPr sz="1300" b="1">
-                <a:solidFill>
-                  <a:srgbClr val="000000"/>
-                </a:solidFill>
-                <a:latin typeface="Arial"/>
-              </a:rPr>
-              <a:t>Portfolio Performance</a:t>
-            </a:r>
-          </a:p>
-        </p:txBody>
-      </p:sp>
-      <p:sp>
-        <p:nvSpPr>
-          <p:cNvPr id="4" name="TextBox 3"/>
-          <p:cNvSpPr txBox="1"/>
-          <p:nvPr/>
-        </p:nvSpPr>
-        <p:spPr>
-          <a:xfrm>
-            <a:off x="200025" y="885825"/>
-            <a:ext cx="1828800" cy="1333500"/>
+            <a:off x="5724524" y="958215"/>
+            <a:ext cx="2114550" cy="1628775"/>
           </a:xfrm>
           <a:prstGeom prst="rect">
             <a:avLst/>
@@ -4220,15 +3624,15 @@
       </p:sp>
       <p:graphicFrame>
         <p:nvGraphicFramePr>
-          <p:cNvPr id="5" name="Table 4"/>
+          <p:cNvPr id="9" name="Table 8"/>
           <p:cNvGraphicFramePr>
             <a:graphicFrameLocks noGrp="1"/>
           </p:cNvGraphicFramePr>
           <p:nvPr/>
         </p:nvGraphicFramePr>
         <p:xfrm>
-          <a:off x="200025" y="885825"/>
-          <a:ext cx="2009059" cy="1285872"/>
+          <a:off x="5724524" y="958215"/>
+          <a:ext cx="2317818" cy="1571625"/>
         </p:xfrm>
         <a:graphic>
           <a:graphicData uri="http://schemas.openxmlformats.org/drawingml/2006/table">
@@ -4268,12 +3672,12 @@
                 </a:tblBorders>
               </a:tblPr>
               <a:tblGrid>
-                <a:gridCol w="492606"/>
-                <a:gridCol w="525430"/>
-                <a:gridCol w="515771"/>
-                <a:gridCol w="475252"/>
+                <a:gridCol w="556617"/>
+                <a:gridCol w="451924"/>
+                <a:gridCol w="490559"/>
+                <a:gridCol w="818718"/>
               </a:tblGrid>
-              <a:tr h="321468">
+              <a:tr h="314325">
                 <a:tc>
                   <a:txBody>
                     <a:bodyPr lIns="76200" rIns="76200" tIns="76200" bIns="76200"/>
@@ -4291,7 +3695,7 @@
                           </a:solidFill>
                           <a:latin typeface="Arial"/>
                         </a:rPr>
-                        <a:t>Asset</a:t>
+                        <a:t>Quarter</a:t>
                       </a:r>
                     </a:p>
                   </a:txBody>
@@ -4352,7 +3756,7 @@
                           </a:solidFill>
                           <a:latin typeface="Arial"/>
                         </a:rPr>
-                        <a:t>Weight</a:t>
+                        <a:t>Sales</a:t>
                       </a:r>
                     </a:p>
                   </a:txBody>
@@ -4413,7 +3817,7 @@
                           </a:solidFill>
                           <a:latin typeface="Arial"/>
                         </a:rPr>
-                        <a:t>Return</a:t>
+                        <a:t>Target</a:t>
                       </a:r>
                     </a:p>
                   </a:txBody>
@@ -4474,7 +3878,7 @@
                           </a:solidFill>
                           <a:latin typeface="Arial"/>
                         </a:rPr>
-                        <a:t>Risk</a:t>
+                        <a:t>Performance</a:t>
                       </a:r>
                     </a:p>
                   </a:txBody>
@@ -4519,7 +3923,7 @@
                   </a:tcPr>
                 </a:tc>
               </a:tr>
-              <a:tr h="321468">
+              <a:tr h="314325">
                 <a:tc>
                   <a:txBody>
                     <a:bodyPr lIns="76200" rIns="76200" tIns="76200" bIns="76200"/>
@@ -4537,7 +3941,7 @@
                           </a:solidFill>
                           <a:latin typeface="Arial"/>
                         </a:rPr>
-                        <a:t>Stocks</a:t>
+                        <a:t>Q1</a:t>
                       </a:r>
                     </a:p>
                   </a:txBody>
@@ -4598,7 +4002,7 @@
                           </a:solidFill>
                           <a:latin typeface="Arial"/>
                         </a:rPr>
-                        <a:t>60%</a:t>
+                        <a:t>85</a:t>
                       </a:r>
                     </a:p>
                   </a:txBody>
@@ -4659,7 +4063,7 @@
                           </a:solidFill>
                           <a:latin typeface="Arial"/>
                         </a:rPr>
-                        <a:t>8.5%</a:t>
+                        <a:t>80</a:t>
                       </a:r>
                     </a:p>
                   </a:txBody>
@@ -4720,7 +4124,7 @@
                           </a:solidFill>
                           <a:latin typeface="Arial"/>
                         </a:rPr>
-                        <a:t>15.2%</a:t>
+                        <a:t>Good</a:t>
                       </a:r>
                     </a:p>
                   </a:txBody>
@@ -4765,7 +4169,7 @@
                   </a:tcPr>
                 </a:tc>
               </a:tr>
-              <a:tr h="321468">
+              <a:tr h="314325">
                 <a:tc>
                   <a:txBody>
                     <a:bodyPr lIns="76200" rIns="76200" tIns="76200" bIns="76200"/>
@@ -4783,7 +4187,7 @@
                           </a:solidFill>
                           <a:latin typeface="Arial"/>
                         </a:rPr>
-                        <a:t>Bonds</a:t>
+                        <a:t>Q2</a:t>
                       </a:r>
                     </a:p>
                   </a:txBody>
@@ -4844,7 +4248,7 @@
                           </a:solidFill>
                           <a:latin typeface="Arial"/>
                         </a:rPr>
-                        <a:t>30%</a:t>
+                        <a:t>92</a:t>
                       </a:r>
                     </a:p>
                   </a:txBody>
@@ -4905,7 +4309,7 @@
                           </a:solidFill>
                           <a:latin typeface="Arial"/>
                         </a:rPr>
-                        <a:t>4.2%</a:t>
+                        <a:t>85</a:t>
                       </a:r>
                     </a:p>
                   </a:txBody>
@@ -4966,7 +4370,7 @@
                           </a:solidFill>
                           <a:latin typeface="Arial"/>
                         </a:rPr>
-                        <a:t>6.8%</a:t>
+                        <a:t>Excellent</a:t>
                       </a:r>
                     </a:p>
                   </a:txBody>
@@ -5011,7 +4415,7 @@
                   </a:tcPr>
                 </a:tc>
               </a:tr>
-              <a:tr h="321468">
+              <a:tr h="314325">
                 <a:tc>
                   <a:txBody>
                     <a:bodyPr lIns="76200" rIns="76200" tIns="76200" bIns="76200"/>
@@ -5029,7 +4433,7 @@
                           </a:solidFill>
                           <a:latin typeface="Arial"/>
                         </a:rPr>
-                        <a:t>REITs</a:t>
+                        <a:t>Q3</a:t>
                       </a:r>
                     </a:p>
                   </a:txBody>
@@ -5090,7 +4494,7 @@
                           </a:solidFill>
                           <a:latin typeface="Arial"/>
                         </a:rPr>
-                        <a:t>10%</a:t>
+                        <a:t>78</a:t>
                       </a:r>
                     </a:p>
                   </a:txBody>
@@ -5151,7 +4555,7 @@
                           </a:solidFill>
                           <a:latin typeface="Arial"/>
                         </a:rPr>
-                        <a:t>6.8%</a:t>
+                        <a:t>85</a:t>
                       </a:r>
                     </a:p>
                   </a:txBody>
@@ -5212,7 +4616,253 @@
                           </a:solidFill>
                           <a:latin typeface="Arial"/>
                         </a:rPr>
-                        <a:t>12.1%</a:t>
+                        <a:t>Fair</a:t>
+                      </a:r>
+                    </a:p>
+                  </a:txBody>
+                  <a:tcPr>
+                    <a:noFill/>
+                    <a:lnL w="12700">
+                      <a:solidFill>
+                        <a:srgbClr val="000"/>
+                      </a:solidFill>
+                      <a:prstDash val="solid"/>
+                      <a:round/>
+                      <a:headEnd type="none" w="med" len="med"/>
+                      <a:tailEnd type="none" w="med" len="med"/>
+                    </a:lnL>
+                    <a:lnR w="12700">
+                      <a:solidFill>
+                        <a:srgbClr val="000"/>
+                      </a:solidFill>
+                      <a:prstDash val="solid"/>
+                      <a:round/>
+                      <a:headEnd type="none" w="med" len="med"/>
+                      <a:tailEnd type="none" w="med" len="med"/>
+                    </a:lnR>
+                    <a:lnT w="12700">
+                      <a:solidFill>
+                        <a:srgbClr val="000"/>
+                      </a:solidFill>
+                      <a:prstDash val="solid"/>
+                      <a:round/>
+                      <a:headEnd type="none" w="med" len="med"/>
+                      <a:tailEnd type="none" w="med" len="med"/>
+                    </a:lnT>
+                    <a:lnB w="12700">
+                      <a:solidFill>
+                        <a:srgbClr val="000"/>
+                      </a:solidFill>
+                      <a:prstDash val="solid"/>
+                      <a:round/>
+                      <a:headEnd type="none" w="med" len="med"/>
+                      <a:tailEnd type="none" w="med" len="med"/>
+                    </a:lnB>
+                  </a:tcPr>
+                </a:tc>
+              </a:tr>
+              <a:tr h="314325">
+                <a:tc>
+                  <a:txBody>
+                    <a:bodyPr lIns="76200" rIns="76200" tIns="76200" bIns="76200"/>
+                    <a:lstStyle/>
+                    <a:p>
+                      <a:pPr>
+                        <a:lnSpc>
+                          <a:spcPct val="120000"/>
+                        </a:lnSpc>
+                      </a:pPr>
+                      <a:r>
+                        <a:rPr sz="800">
+                          <a:solidFill>
+                            <a:srgbClr val="000000"/>
+                          </a:solidFill>
+                          <a:latin typeface="Arial"/>
+                        </a:rPr>
+                        <a:t>Q4</a:t>
+                      </a:r>
+                    </a:p>
+                  </a:txBody>
+                  <a:tcPr>
+                    <a:noFill/>
+                    <a:lnL w="12700">
+                      <a:solidFill>
+                        <a:srgbClr val="000"/>
+                      </a:solidFill>
+                      <a:prstDash val="solid"/>
+                      <a:round/>
+                      <a:headEnd type="none" w="med" len="med"/>
+                      <a:tailEnd type="none" w="med" len="med"/>
+                    </a:lnL>
+                    <a:lnR w="12700">
+                      <a:solidFill>
+                        <a:srgbClr val="000"/>
+                      </a:solidFill>
+                      <a:prstDash val="solid"/>
+                      <a:round/>
+                      <a:headEnd type="none" w="med" len="med"/>
+                      <a:tailEnd type="none" w="med" len="med"/>
+                    </a:lnR>
+                    <a:lnT w="12700">
+                      <a:solidFill>
+                        <a:srgbClr val="000"/>
+                      </a:solidFill>
+                      <a:prstDash val="solid"/>
+                      <a:round/>
+                      <a:headEnd type="none" w="med" len="med"/>
+                      <a:tailEnd type="none" w="med" len="med"/>
+                    </a:lnT>
+                    <a:lnB w="12700">
+                      <a:solidFill>
+                        <a:srgbClr val="000"/>
+                      </a:solidFill>
+                      <a:prstDash val="solid"/>
+                      <a:round/>
+                      <a:headEnd type="none" w="med" len="med"/>
+                      <a:tailEnd type="none" w="med" len="med"/>
+                    </a:lnB>
+                  </a:tcPr>
+                </a:tc>
+                <a:tc>
+                  <a:txBody>
+                    <a:bodyPr lIns="76200" rIns="76200" tIns="76200" bIns="76200"/>
+                    <a:lstStyle/>
+                    <a:p>
+                      <a:pPr>
+                        <a:lnSpc>
+                          <a:spcPct val="120000"/>
+                        </a:lnSpc>
+                      </a:pPr>
+                      <a:r>
+                        <a:rPr sz="800">
+                          <a:solidFill>
+                            <a:srgbClr val="000000"/>
+                          </a:solidFill>
+                          <a:latin typeface="Arial"/>
+                        </a:rPr>
+                        <a:t>95</a:t>
+                      </a:r>
+                    </a:p>
+                  </a:txBody>
+                  <a:tcPr>
+                    <a:noFill/>
+                    <a:lnL w="12700">
+                      <a:solidFill>
+                        <a:srgbClr val="000"/>
+                      </a:solidFill>
+                      <a:prstDash val="solid"/>
+                      <a:round/>
+                      <a:headEnd type="none" w="med" len="med"/>
+                      <a:tailEnd type="none" w="med" len="med"/>
+                    </a:lnL>
+                    <a:lnR w="12700">
+                      <a:solidFill>
+                        <a:srgbClr val="000"/>
+                      </a:solidFill>
+                      <a:prstDash val="solid"/>
+                      <a:round/>
+                      <a:headEnd type="none" w="med" len="med"/>
+                      <a:tailEnd type="none" w="med" len="med"/>
+                    </a:lnR>
+                    <a:lnT w="12700">
+                      <a:solidFill>
+                        <a:srgbClr val="000"/>
+                      </a:solidFill>
+                      <a:prstDash val="solid"/>
+                      <a:round/>
+                      <a:headEnd type="none" w="med" len="med"/>
+                      <a:tailEnd type="none" w="med" len="med"/>
+                    </a:lnT>
+                    <a:lnB w="12700">
+                      <a:solidFill>
+                        <a:srgbClr val="000"/>
+                      </a:solidFill>
+                      <a:prstDash val="solid"/>
+                      <a:round/>
+                      <a:headEnd type="none" w="med" len="med"/>
+                      <a:tailEnd type="none" w="med" len="med"/>
+                    </a:lnB>
+                  </a:tcPr>
+                </a:tc>
+                <a:tc>
+                  <a:txBody>
+                    <a:bodyPr lIns="76200" rIns="76200" tIns="76200" bIns="76200"/>
+                    <a:lstStyle/>
+                    <a:p>
+                      <a:pPr>
+                        <a:lnSpc>
+                          <a:spcPct val="120000"/>
+                        </a:lnSpc>
+                      </a:pPr>
+                      <a:r>
+                        <a:rPr sz="800">
+                          <a:solidFill>
+                            <a:srgbClr val="000000"/>
+                          </a:solidFill>
+                          <a:latin typeface="Arial"/>
+                        </a:rPr>
+                        <a:t>90</a:t>
+                      </a:r>
+                    </a:p>
+                  </a:txBody>
+                  <a:tcPr>
+                    <a:noFill/>
+                    <a:lnL w="12700">
+                      <a:solidFill>
+                        <a:srgbClr val="000"/>
+                      </a:solidFill>
+                      <a:prstDash val="solid"/>
+                      <a:round/>
+                      <a:headEnd type="none" w="med" len="med"/>
+                      <a:tailEnd type="none" w="med" len="med"/>
+                    </a:lnL>
+                    <a:lnR w="12700">
+                      <a:solidFill>
+                        <a:srgbClr val="000"/>
+                      </a:solidFill>
+                      <a:prstDash val="solid"/>
+                      <a:round/>
+                      <a:headEnd type="none" w="med" len="med"/>
+                      <a:tailEnd type="none" w="med" len="med"/>
+                    </a:lnR>
+                    <a:lnT w="12700">
+                      <a:solidFill>
+                        <a:srgbClr val="000"/>
+                      </a:solidFill>
+                      <a:prstDash val="solid"/>
+                      <a:round/>
+                      <a:headEnd type="none" w="med" len="med"/>
+                      <a:tailEnd type="none" w="med" len="med"/>
+                    </a:lnT>
+                    <a:lnB w="12700">
+                      <a:solidFill>
+                        <a:srgbClr val="000"/>
+                      </a:solidFill>
+                      <a:prstDash val="solid"/>
+                      <a:round/>
+                      <a:headEnd type="none" w="med" len="med"/>
+                      <a:tailEnd type="none" w="med" len="med"/>
+                    </a:lnB>
+                  </a:tcPr>
+                </a:tc>
+                <a:tc>
+                  <a:txBody>
+                    <a:bodyPr lIns="76200" rIns="76200" tIns="76200" bIns="76200"/>
+                    <a:lstStyle/>
+                    <a:p>
+                      <a:pPr>
+                        <a:lnSpc>
+                          <a:spcPct val="120000"/>
+                        </a:lnSpc>
+                      </a:pPr>
+                      <a:r>
+                        <a:rPr b="1" sz="800">
+                          <a:solidFill>
+                            <a:srgbClr val="009900"/>
+                          </a:solidFill>
+                          <a:latin typeface="Arial"/>
+                        </a:rPr>
+                        <a:t>Excellent</a:t>
                       </a:r>
                     </a:p>
                   </a:txBody>
@@ -5263,14 +4913,14 @@
       </p:graphicFrame>
       <p:sp>
         <p:nvSpPr>
-          <p:cNvPr id="6" name="TextBox 5"/>
+          <p:cNvPr id="10" name="TextBox 9"/>
           <p:cNvSpPr txBox="1"/>
           <p:nvPr/>
         </p:nvSpPr>
         <p:spPr>
           <a:xfrm>
-            <a:off x="200025" y="2219324"/>
-            <a:ext cx="8943975" cy="304800"/>
+            <a:off x="5724524" y="2586990"/>
+            <a:ext cx="3419474" cy="274320"/>
           </a:xfrm>
           <a:prstGeom prst="rect">
             <a:avLst/>
@@ -5295,50 +4945,14 @@
               </a:spcAft>
             </a:pPr>
             <a:r>
-              <a:rPr sz="1300" b="1">
-                <a:solidFill>
-                  <a:srgbClr val="000000"/>
-                </a:solidFill>
-                <a:latin typeface="Arial"/>
-              </a:rPr>
-              <a:t>Risk Assessment</a:t>
-            </a:r>
-          </a:p>
-        </p:txBody>
-      </p:sp>
-      <p:sp>
-        <p:nvSpPr>
-          <p:cNvPr id="7" name="TextBox 6"/>
-          <p:cNvSpPr txBox="1"/>
-          <p:nvPr/>
-        </p:nvSpPr>
-        <p:spPr>
-          <a:xfrm>
-            <a:off x="200025" y="2533649"/>
-            <a:ext cx="8943975" cy="274320"/>
-          </a:xfrm>
-          <a:prstGeom prst="rect">
-            <a:avLst/>
-          </a:prstGeom>
-          <a:noFill/>
-        </p:spPr>
-        <p:txBody>
-          <a:bodyPr wrap="square" lIns="0" rIns="0" tIns="0" bIns="0">
-            <a:spAutoFit/>
-          </a:bodyPr>
-          <a:lstStyle/>
-          <a:p>
-            <a:pPr algn="l">
-              <a:lnSpc>
-                <a:spcPct val="120000"/>
-              </a:lnSpc>
-              <a:spcBef>
-                <a:spcPts val="0"/>
-              </a:spcBef>
-              <a:spcAft>
-                <a:spcPts val="0"/>
-              </a:spcAft>
-            </a:pPr>
+              <a:rPr b="1" sz="1000">
+                <a:solidFill>
+                  <a:srgbClr val="000000"/>
+                </a:solidFill>
+                <a:latin typeface="Arial"/>
+              </a:rPr>
+              <a:t>Status:</a:t>
+            </a:r>
             <a:r>
               <a:rPr sz="1000">
                 <a:solidFill>
@@ -5346,85 +4960,16 @@
                 </a:solidFill>
                 <a:latin typeface="Arial"/>
               </a:rPr>
-              <a:t>The portfolio risk can be calculated using:</a:t>
-            </a:r>
-          </a:p>
-        </p:txBody>
-      </p:sp>
-      <p:pic>
-        <p:nvPicPr>
-          <p:cNvPr id="8" name="Picture 7" descr="2353710bf12b86bd71ec7ae2d8f70988.png"/>
-          <p:cNvPicPr>
-            <a:picLocks noChangeAspect="1"/>
-          </p:cNvPicPr>
-          <p:nvPr/>
-        </p:nvPicPr>
-        <p:blipFill>
-          <a:blip r:embed="rId2"/>
-          <a:stretch>
-            <a:fillRect/>
-          </a:stretch>
-        </p:blipFill>
-        <p:spPr>
-          <a:xfrm>
-            <a:off x="838200" y="2667000"/>
-            <a:ext cx="7467599" cy="609600"/>
-          </a:xfrm>
-          <a:prstGeom prst="rect">
-            <a:avLst/>
-          </a:prstGeom>
-        </p:spPr>
-      </p:pic>
-      <p:sp>
-        <p:nvSpPr>
-          <p:cNvPr id="9" name="TextBox 8"/>
-          <p:cNvSpPr txBox="1"/>
-          <p:nvPr/>
-        </p:nvSpPr>
-        <p:spPr>
-          <a:xfrm>
-            <a:off x="200025" y="3438525"/>
-            <a:ext cx="8943975" cy="333375"/>
-          </a:xfrm>
-          <a:prstGeom prst="rect">
-            <a:avLst/>
-          </a:prstGeom>
-          <a:noFill/>
-        </p:spPr>
-        <p:txBody>
-          <a:bodyPr wrap="square" lIns="0" rIns="0" tIns="0" bIns="0">
-            <a:spAutoFit/>
-          </a:bodyPr>
-          <a:lstStyle/>
-          <a:p>
-            <a:pPr algn="l">
-              <a:lnSpc>
-                <a:spcPct val="120000"/>
-              </a:lnSpc>
-              <a:spcBef>
-                <a:spcPts val="0"/>
-              </a:spcBef>
-              <a:spcAft>
-                <a:spcPts val="0"/>
-              </a:spcAft>
-            </a:pPr>
+              <a:t> </a:t>
+            </a:r>
             <a:r>
               <a:rPr b="1" sz="1000">
                 <a:solidFill>
-                  <a:srgbClr val="000000"/>
-                </a:solidFill>
-                <a:latin typeface="Arial"/>
-              </a:rPr>
-              <a:t>Current Portfolio Risk:</a:t>
-            </a:r>
-            <a:r>
-              <a:rPr sz="1000">
-                <a:solidFill>
-                  <a:srgbClr val="000000"/>
-                </a:solidFill>
-                <a:latin typeface="Arial"/>
-              </a:rPr>
-              <a:t> $\sigma_p = 12.3\%$</a:t>
+                  <a:srgbClr val="009900"/>
+                </a:solidFill>
+                <a:latin typeface="Arial"/>
+              </a:rPr>
+              <a:t>On Track</a:t>
             </a:r>
           </a:p>
         </p:txBody>
@@ -5437,7 +4982,7 @@
 </p:sld>
 </file>
 
-<file path=ppt/slides/slide14.xml><?xml version="1.0" encoding="utf-8"?>
+<file path=ppt/slides/slide11.xml><?xml version="1.0" encoding="utf-8"?>
 <p:sld xmlns:a="http://schemas.openxmlformats.org/drawingml/2006/main" xmlns:p="http://schemas.openxmlformats.org/presentationml/2006/main" xmlns:r="http://schemas.openxmlformats.org/officeDocument/2006/relationships">
   <p:cSld>
     <p:bg>
@@ -5495,7 +5040,7 @@
                 </a:solidFill>
                 <a:latin typeface="Arial"/>
               </a:rPr>
-              <a:t>Key Takeaways</a:t>
+              <a:t>Action Items &amp; Next Steps</a:t>
             </a:r>
           </a:p>
         </p:txBody>
@@ -5540,7 +5085,7 @@
                 </a:solidFill>
                 <a:latin typeface="Arial"/>
               </a:rPr>
-              <a:t>Summary of Results</a:t>
+              <a:t>Immediate Actions</a:t>
             </a:r>
           </a:p>
         </p:txBody>
@@ -5554,7 +5099,7 @@
         <p:spPr>
           <a:xfrm>
             <a:off x="200025" y="885825"/>
-            <a:ext cx="8943975" cy="1767839"/>
+            <a:ext cx="8943975" cy="405765"/>
           </a:xfrm>
           <a:prstGeom prst="rect">
             <a:avLst/>
@@ -5585,26 +5130,17 @@
               <a:t>1. </a:t>
             </a:r>
             <a:r>
-              <a:rPr b="1" sz="1000">
-                <a:solidFill>
-                  <a:srgbClr val="000000"/>
-                </a:solidFill>
-                <a:latin typeface="Arial"/>
-              </a:rPr>
-              <a:t>Strong Financial Performance</a:t>
-            </a:r>
-          </a:p>
-          <a:p>
-            <a:pPr lvl="1" algn="l"/>
-            <a:r>
               <a:rPr sz="1000">
                 <a:solidFill>
                   <a:srgbClr val="000000"/>
                 </a:solidFill>
                 <a:latin typeface="Arial"/>
               </a:rPr>
-              <a:t>1. </a:t>
-            </a:r>
+              <a:t>Implement growth strategy</a:t>
+            </a:r>
+          </a:p>
+          <a:p>
+            <a:pPr algn="l"/>
             <a:r>
               <a:rPr sz="1000">
                 <a:solidFill>
@@ -5612,11 +5148,8 @@
                 </a:solidFill>
                 <a:latin typeface="Arial"/>
               </a:rPr>
-              <a:t>Q4 sales exceeded targets</a:t>
-            </a:r>
-          </a:p>
-          <a:p>
-            <a:pPr lvl="1" algn="l"/>
+              <a:t>2. </a:t>
+            </a:r>
             <a:r>
               <a:rPr sz="1000">
                 <a:solidFill>
@@ -5624,205 +5157,7 @@
                 </a:solidFill>
                 <a:latin typeface="Arial"/>
               </a:rPr>
-              <a:t>2. </a:t>
-            </a:r>
-            <a:r>
-              <a:rPr sz="1000">
-                <a:solidFill>
-                  <a:srgbClr val="000000"/>
-                </a:solidFill>
-                <a:latin typeface="Arial"/>
-              </a:rPr>
-              <a:t>Consistent growth trajectory</a:t>
-            </a:r>
-          </a:p>
-          <a:p>
-            <a:pPr lvl="1" algn="l"/>
-            <a:r>
-              <a:rPr sz="1000">
-                <a:solidFill>
-                  <a:srgbClr val="000000"/>
-                </a:solidFill>
-                <a:latin typeface="Arial"/>
-              </a:rPr>
-              <a:t>3. </a:t>
-            </a:r>
-            <a:r>
-              <a:rPr sz="1000">
-                <a:solidFill>
-                  <a:srgbClr val="000000"/>
-                </a:solidFill>
-                <a:latin typeface="Arial"/>
-              </a:rPr>
-              <a:t>Positive customer feedback</a:t>
-            </a:r>
-          </a:p>
-          <a:p>
-            <a:pPr algn="l"/>
-            <a:r>
-              <a:rPr sz="1000">
-                <a:solidFill>
-                  <a:srgbClr val="000000"/>
-                </a:solidFill>
-                <a:latin typeface="Arial"/>
-              </a:rPr>
-              <a:t>2. </a:t>
-            </a:r>
-            <a:r>
-              <a:rPr b="1" sz="1000">
-                <a:solidFill>
-                  <a:srgbClr val="000000"/>
-                </a:solidFill>
-                <a:latin typeface="Arial"/>
-              </a:rPr>
-              <a:t>Market Position</a:t>
-            </a:r>
-          </a:p>
-          <a:p>
-            <a:pPr lvl="1" algn="l"/>
-            <a:r>
-              <a:rPr sz="1000">
-                <a:solidFill>
-                  <a:srgbClr val="000000"/>
-                </a:solidFill>
-                <a:latin typeface="Arial"/>
-              </a:rPr>
-              <a:t>1. </a:t>
-            </a:r>
-            <a:r>
-              <a:rPr sz="1000">
-                <a:solidFill>
-                  <a:srgbClr val="000000"/>
-                </a:solidFill>
-                <a:latin typeface="Arial"/>
-              </a:rPr>
-              <a:t>Leading market share in Product A</a:t>
-            </a:r>
-          </a:p>
-          <a:p>
-            <a:pPr lvl="1" algn="l"/>
-            <a:r>
-              <a:rPr sz="1000">
-                <a:solidFill>
-                  <a:srgbClr val="000000"/>
-                </a:solidFill>
-                <a:latin typeface="Arial"/>
-              </a:rPr>
-              <a:t>2. </a:t>
-            </a:r>
-            <a:r>
-              <a:rPr sz="1000">
-                <a:solidFill>
-                  <a:srgbClr val="000000"/>
-                </a:solidFill>
-                <a:latin typeface="Arial"/>
-              </a:rPr>
-              <a:t>Balanced portfolio across regions</a:t>
-            </a:r>
-          </a:p>
-          <a:p>
-            <a:pPr lvl="1" algn="l"/>
-            <a:r>
-              <a:rPr sz="1000">
-                <a:solidFill>
-                  <a:srgbClr val="000000"/>
-                </a:solidFill>
-                <a:latin typeface="Arial"/>
-              </a:rPr>
-              <a:t>3. </a:t>
-            </a:r>
-            <a:r>
-              <a:rPr sz="1000">
-                <a:solidFill>
-                  <a:srgbClr val="000000"/>
-                </a:solidFill>
-                <a:latin typeface="Arial"/>
-              </a:rPr>
-              <a:t>High customer satisfaction scores</a:t>
-            </a:r>
-          </a:p>
-          <a:p>
-            <a:pPr algn="l"/>
-            <a:r>
-              <a:rPr sz="1000">
-                <a:solidFill>
-                  <a:srgbClr val="000000"/>
-                </a:solidFill>
-                <a:latin typeface="Arial"/>
-              </a:rPr>
-              <a:t>3. </a:t>
-            </a:r>
-            <a:r>
-              <a:rPr b="1" sz="1000">
-                <a:solidFill>
-                  <a:srgbClr val="000000"/>
-                </a:solidFill>
-                <a:latin typeface="Arial"/>
-              </a:rPr>
-              <a:t>Future Outlook</a:t>
-            </a:r>
-          </a:p>
-          <a:p>
-            <a:pPr lvl="1" algn="l"/>
-            <a:r>
-              <a:rPr sz="1000">
-                <a:solidFill>
-                  <a:srgbClr val="000000"/>
-                </a:solidFill>
-                <a:latin typeface="Arial"/>
-              </a:rPr>
-              <a:t>1. </a:t>
-            </a:r>
-            <a:r>
-              <a:rPr sz="1000">
-                <a:solidFill>
-                  <a:srgbClr val="000000"/>
-                </a:solidFill>
-                <a:latin typeface="Arial"/>
-              </a:rPr>
-              <a:t>Projected 504% revenue growth</a:t>
-            </a:r>
-          </a:p>
-          <a:p>
-            <a:pPr lvl="1" algn="l"/>
-            <a:r>
-              <a:rPr sz="1000">
-                <a:solidFill>
-                  <a:srgbClr val="000000"/>
-                </a:solidFill>
-                <a:latin typeface="Arial"/>
-              </a:rPr>
-              <a:t>2. </a:t>
-            </a:r>
-            <a:r>
-              <a:rPr sz="1000">
-                <a:solidFill>
-                  <a:srgbClr val="000000"/>
-                </a:solidFill>
-                <a:latin typeface="Arial"/>
-              </a:rPr>
-              <a:t>Low portfolio risk (12.3%)</a:t>
-            </a:r>
-          </a:p>
-          <a:p>
-            <a:pPr lvl="1" algn="l"/>
-            <a:r>
-              <a:rPr sz="1000">
-                <a:solidFill>
-                  <a:srgbClr val="000000"/>
-                </a:solidFill>
-                <a:latin typeface="Arial"/>
-              </a:rPr>
-              <a:t>3. </a:t>
-            </a:r>
-            <a:r>
-              <a:rPr sz="1000">
-                <a:solidFill>
-                  <a:srgbClr val="000000"/>
-                </a:solidFill>
-                <a:latin typeface="Arial"/>
-              </a:rPr>
-              <a:t>Continued expansion opportunities</a:t>
+              <a:t>Target: 10.0% improvement</a:t>
             </a:r>
           </a:p>
         </p:txBody>
@@ -5835,7 +5170,7 @@
         </p:nvSpPr>
         <p:spPr>
           <a:xfrm>
-            <a:off x="200025" y="2558415"/>
+            <a:off x="200025" y="1196339"/>
             <a:ext cx="8943975" cy="304800"/>
           </a:xfrm>
           <a:prstGeom prst="rect">
@@ -5867,7 +5202,7 @@
                 </a:solidFill>
                 <a:latin typeface="Arial"/>
               </a:rPr>
-              <a:t>Next Steps</a:t>
+              <a:t>Success Metrics</a:t>
             </a:r>
           </a:p>
         </p:txBody>
@@ -5880,7 +5215,7 @@
         </p:nvSpPr>
         <p:spPr>
           <a:xfrm>
-            <a:off x="200025" y="2872740"/>
+            <a:off x="200025" y="1501140"/>
             <a:ext cx="8943975" cy="541972"/>
           </a:xfrm>
           <a:prstGeom prst="rect">
@@ -5918,7 +5253,7 @@
                 </a:solidFill>
                 <a:latin typeface="Arial"/>
               </a:rPr>
-              <a:t>Expand into West region</a:t>
+              <a:t>Overall growth target: 18.0%</a:t>
             </a:r>
           </a:p>
           <a:p>
@@ -5939,7 +5274,7 @@
                 </a:solidFill>
                 <a:latin typeface="Arial"/>
               </a:rPr>
-              <a:t>Invest in Product B development</a:t>
+              <a:t>Customer satisfaction: 95.0%</a:t>
             </a:r>
           </a:p>
           <a:p>
@@ -5960,7 +5295,405 @@
                 </a:solidFill>
                 <a:latin typeface="Arial"/>
               </a:rPr>
-              <a:t>Maintain customer satisfaction initiatives</a:t>
+              <a:t>Market share goal: 38%</a:t>
+            </a:r>
+          </a:p>
+        </p:txBody>
+      </p:sp>
+    </p:spTree>
+  </p:cSld>
+  <p:clrMapOvr>
+    <a:masterClrMapping/>
+  </p:clrMapOvr>
+</p:sld>
+</file>
+
+<file path=ppt/slides/slide12.xml><?xml version="1.0" encoding="utf-8"?>
+<p:sld xmlns:a="http://schemas.openxmlformats.org/drawingml/2006/main" xmlns:p="http://schemas.openxmlformats.org/presentationml/2006/main" xmlns:r="http://schemas.openxmlformats.org/officeDocument/2006/relationships">
+  <p:cSld>
+    <p:bg>
+      <p:bgPr>
+        <a:solidFill>
+          <a:srgbClr val="FFFFFF"/>
+        </a:solidFill>
+        <a:effectLst/>
+      </p:bgPr>
+    </p:bg>
+    <p:spTree>
+      <p:nvGrpSpPr>
+        <p:cNvPr id="1" name=""/>
+        <p:cNvGrpSpPr/>
+        <p:nvPr/>
+      </p:nvGrpSpPr>
+      <p:grpSpPr/>
+      <p:sp>
+        <p:nvSpPr>
+          <p:cNvPr id="2" name="TextBox 1"/>
+          <p:cNvSpPr txBox="1"/>
+          <p:nvPr/>
+        </p:nvSpPr>
+        <p:spPr>
+          <a:xfrm>
+            <a:off x="200025" y="180975"/>
+            <a:ext cx="8943975" cy="390525"/>
+          </a:xfrm>
+          <a:prstGeom prst="rect">
+            <a:avLst/>
+          </a:prstGeom>
+          <a:noFill/>
+        </p:spPr>
+        <p:txBody>
+          <a:bodyPr wrap="square" lIns="0" rIns="0" tIns="0" bIns="0">
+            <a:spAutoFit/>
+          </a:bodyPr>
+          <a:lstStyle/>
+          <a:p>
+            <a:pPr algn="l">
+              <a:lnSpc>
+                <a:spcPct val="120000"/>
+              </a:lnSpc>
+              <a:spcBef>
+                <a:spcPts val="0"/>
+              </a:spcBef>
+              <a:spcAft>
+                <a:spcPts val="0"/>
+              </a:spcAft>
+            </a:pPr>
+            <a:r>
+              <a:rPr sz="1600" b="1">
+                <a:solidFill>
+                  <a:srgbClr val="000000"/>
+                </a:solidFill>
+                <a:latin typeface="Arial"/>
+              </a:rPr>
+              <a:t>Inline Formatting Test</a:t>
+            </a:r>
+          </a:p>
+        </p:txBody>
+      </p:sp>
+      <p:sp>
+        <p:nvSpPr>
+          <p:cNvPr id="3" name="TextBox 2"/>
+          <p:cNvSpPr txBox="1"/>
+          <p:nvPr/>
+        </p:nvSpPr>
+        <p:spPr>
+          <a:xfrm>
+            <a:off x="200025" y="571500"/>
+            <a:ext cx="8943975" cy="274320"/>
+          </a:xfrm>
+          <a:prstGeom prst="rect">
+            <a:avLst/>
+          </a:prstGeom>
+          <a:noFill/>
+        </p:spPr>
+        <p:txBody>
+          <a:bodyPr wrap="square" lIns="0" rIns="0" tIns="0" bIns="0">
+            <a:spAutoFit/>
+          </a:bodyPr>
+          <a:lstStyle/>
+          <a:p>
+            <a:pPr algn="l">
+              <a:lnSpc>
+                <a:spcPct val="120000"/>
+              </a:lnSpc>
+              <a:spcBef>
+                <a:spcPts val="0"/>
+              </a:spcBef>
+              <a:spcAft>
+                <a:spcPts val="0"/>
+              </a:spcAft>
+            </a:pPr>
+            <a:r>
+              <a:rPr sz="1000">
+                <a:solidFill>
+                  <a:srgbClr val="000000"/>
+                </a:solidFill>
+                <a:latin typeface="Arial"/>
+              </a:rPr>
+              <a:t>This slide tests various inline formatting options:</a:t>
+            </a:r>
+          </a:p>
+        </p:txBody>
+      </p:sp>
+      <p:sp>
+        <p:nvSpPr>
+          <p:cNvPr id="4" name="TextBox 3"/>
+          <p:cNvSpPr txBox="1"/>
+          <p:nvPr/>
+        </p:nvSpPr>
+        <p:spPr>
+          <a:xfrm>
+            <a:off x="200025" y="800100"/>
+            <a:ext cx="8943975" cy="950595"/>
+          </a:xfrm>
+          <a:prstGeom prst="rect">
+            <a:avLst/>
+          </a:prstGeom>
+          <a:noFill/>
+        </p:spPr>
+        <p:txBody>
+          <a:bodyPr wrap="square" lIns="0" rIns="0" tIns="0" bIns="0">
+            <a:spAutoFit/>
+          </a:bodyPr>
+          <a:lstStyle/>
+          <a:p>
+            <a:pPr algn="l">
+              <a:spcBef>
+                <a:spcPts val="0"/>
+              </a:spcBef>
+              <a:spcAft>
+                <a:spcPts val="0"/>
+              </a:spcAft>
+            </a:pPr>
+            <a:r>
+              <a:rPr sz="1000">
+                <a:solidFill>
+                  <a:srgbClr val="000000"/>
+                </a:solidFill>
+                <a:latin typeface="Arial"/>
+              </a:rPr>
+              <a:t>• </a:t>
+            </a:r>
+            <a:r>
+              <a:rPr b="1" sz="1000">
+                <a:solidFill>
+                  <a:srgbClr val="000000"/>
+                </a:solidFill>
+                <a:latin typeface="Arial"/>
+              </a:rPr>
+              <a:t>Bold text</a:t>
+            </a:r>
+            <a:r>
+              <a:rPr sz="1000">
+                <a:solidFill>
+                  <a:srgbClr val="000000"/>
+                </a:solidFill>
+                <a:latin typeface="Arial"/>
+              </a:rPr>
+              <a:t> and </a:t>
+            </a:r>
+            <a:r>
+              <a:rPr i="1" sz="1000">
+                <a:solidFill>
+                  <a:srgbClr val="000000"/>
+                </a:solidFill>
+                <a:latin typeface="Arial"/>
+              </a:rPr>
+              <a:t>italic text</a:t>
+            </a:r>
+          </a:p>
+          <a:p>
+            <a:pPr algn="l"/>
+            <a:r>
+              <a:rPr sz="1000">
+                <a:solidFill>
+                  <a:srgbClr val="000000"/>
+                </a:solidFill>
+                <a:latin typeface="Arial"/>
+              </a:rPr>
+              <a:t>• </a:t>
+            </a:r>
+            <a:r>
+              <a:rPr sz="1000">
+                <a:solidFill>
+                  <a:srgbClr val="FF0000"/>
+                </a:solidFill>
+                <a:latin typeface="Arial"/>
+              </a:rPr>
+              <a:t>Red text</a:t>
+            </a:r>
+            <a:r>
+              <a:rPr sz="1000">
+                <a:solidFill>
+                  <a:srgbClr val="000000"/>
+                </a:solidFill>
+                <a:latin typeface="Arial"/>
+              </a:rPr>
+              <a:t> and </a:t>
+            </a:r>
+            <a:r>
+              <a:rPr b="1" sz="1000">
+                <a:solidFill>
+                  <a:srgbClr val="0066CC"/>
+                </a:solidFill>
+                <a:latin typeface="Arial"/>
+              </a:rPr>
+              <a:t>Blue text</a:t>
+            </a:r>
+          </a:p>
+          <a:p>
+            <a:pPr algn="l"/>
+            <a:r>
+              <a:rPr sz="1000">
+                <a:solidFill>
+                  <a:srgbClr val="000000"/>
+                </a:solidFill>
+                <a:latin typeface="Arial"/>
+              </a:rPr>
+              <a:t>• </a:t>
+            </a:r>
+            <a:r>
+              <a:rPr sz="1000">
+                <a:solidFill>
+                  <a:srgbClr val="000000"/>
+                </a:solidFill>
+                <a:latin typeface="Arial"/>
+              </a:rPr>
+              <a:t>Regular underline with </a:t>
+            </a:r>
+            <a:r>
+              <a:rPr u="sng" sz="1000">
+                <a:solidFill>
+                  <a:srgbClr val="000000"/>
+                </a:solidFill>
+                <a:latin typeface="Arial"/>
+              </a:rPr>
+              <a:t>underline</a:t>
+            </a:r>
+          </a:p>
+          <a:p>
+            <a:pPr algn="l"/>
+            <a:r>
+              <a:rPr sz="1000">
+                <a:solidFill>
+                  <a:srgbClr val="000000"/>
+                </a:solidFill>
+                <a:latin typeface="Arial"/>
+              </a:rPr>
+              <a:t>• </a:t>
+            </a:r>
+            <a:r>
+              <a:rPr u="wavy" sz="1000">
+                <a:solidFill>
+                  <a:srgbClr val="000000"/>
+                </a:solidFill>
+                <a:latin typeface="Arial"/>
+              </a:rPr>
+              <a:t>Wavy underlined text</a:t>
+            </a:r>
+            <a:r>
+              <a:rPr u="wavy" sz="1000">
+                <a:solidFill>
+                  <a:srgbClr val="000000"/>
+                </a:solidFill>
+                <a:latin typeface="Arial"/>
+              </a:rPr>
+              <a:t> using double caret for </a:t>
+            </a:r>
+            <a:r>
+              <a:rPr u="wavy" sz="1000">
+                <a:solidFill>
+                  <a:srgbClr val="000000"/>
+                </a:solidFill>
+                <a:latin typeface="Arial"/>
+              </a:rPr>
+              <a:t>emphasized information</a:t>
+            </a:r>
+          </a:p>
+          <a:p>
+            <a:pPr algn="l"/>
+            <a:r>
+              <a:rPr sz="1000">
+                <a:solidFill>
+                  <a:srgbClr val="000000"/>
+                </a:solidFill>
+                <a:latin typeface="Arial"/>
+              </a:rPr>
+              <a:t>• </a:t>
+            </a:r>
+            <a:r>
+              <a:rPr strike="sngStrike" sz="1000">
+                <a:solidFill>
+                  <a:srgbClr val="000000"/>
+                </a:solidFill>
+                <a:latin typeface="Arial"/>
+              </a:rPr>
+              <a:t>Strikethrough text</a:t>
+            </a:r>
+            <a:r>
+              <a:rPr sz="1000">
+                <a:solidFill>
+                  <a:srgbClr val="000000"/>
+                </a:solidFill>
+                <a:latin typeface="Arial"/>
+              </a:rPr>
+              <a:t> for deleted content</a:t>
+            </a:r>
+          </a:p>
+          <a:p>
+            <a:pPr algn="l"/>
+            <a:r>
+              <a:rPr sz="1000">
+                <a:solidFill>
+                  <a:srgbClr val="000000"/>
+                </a:solidFill>
+                <a:latin typeface="Arial"/>
+              </a:rPr>
+              <a:t>• </a:t>
+            </a:r>
+            <a:r>
+              <a:rPr b="1" sz="1000">
+                <a:solidFill>
+                  <a:srgbClr val="FF8C00"/>
+                </a:solidFill>
+                <a:latin typeface="Arial"/>
+              </a:rPr>
+              <a:t>Highlighted text</a:t>
+            </a:r>
+            <a:r>
+              <a:rPr sz="1000">
+                <a:solidFill>
+                  <a:srgbClr val="000000"/>
+                </a:solidFill>
+                <a:latin typeface="Arial"/>
+              </a:rPr>
+              <a:t> for important notes</a:t>
+            </a:r>
+          </a:p>
+        </p:txBody>
+      </p:sp>
+      <p:sp>
+        <p:nvSpPr>
+          <p:cNvPr id="5" name="TextBox 4"/>
+          <p:cNvSpPr txBox="1"/>
+          <p:nvPr/>
+        </p:nvSpPr>
+        <p:spPr>
+          <a:xfrm>
+            <a:off x="200025" y="1750695"/>
+            <a:ext cx="8943975" cy="274320"/>
+          </a:xfrm>
+          <a:prstGeom prst="rect">
+            <a:avLst/>
+          </a:prstGeom>
+          <a:noFill/>
+        </p:spPr>
+        <p:txBody>
+          <a:bodyPr wrap="square" lIns="0" rIns="0" tIns="0" bIns="0">
+            <a:spAutoFit/>
+          </a:bodyPr>
+          <a:lstStyle/>
+          <a:p>
+            <a:pPr algn="l">
+              <a:lnSpc>
+                <a:spcPct val="120000"/>
+              </a:lnSpc>
+              <a:spcBef>
+                <a:spcPts val="0"/>
+              </a:spcBef>
+              <a:spcAft>
+                <a:spcPts val="0"/>
+              </a:spcAft>
+            </a:pPr>
+            <a:r>
+              <a:rPr sz="1000">
+                <a:solidFill>
+                  <a:srgbClr val="000000"/>
+                </a:solidFill>
+                <a:latin typeface="Arial"/>
+              </a:rPr>
+              <a:t>All formatting should render correctly in both HTML and PowerPoint.</a:t>
             </a:r>
           </a:p>
         </p:txBody>
@@ -6031,7 +5764,7 @@
                 </a:solidFill>
                 <a:latin typeface="Arial"/>
               </a:rPr>
-              <a:t>Quarterly Sales Performance</a:t>
+              <a:t>Executive Summary</a:t>
             </a:r>
           </a:p>
         </p:txBody>
@@ -6045,7 +5778,7 @@
         <p:spPr>
           <a:xfrm>
             <a:off x="200025" y="571500"/>
-            <a:ext cx="8943975" cy="274320"/>
+            <a:ext cx="8943975" cy="304800"/>
           </a:xfrm>
           <a:prstGeom prst="rect">
             <a:avLst/>
@@ -6070,41 +5803,239 @@
               </a:spcAft>
             </a:pPr>
             <a:r>
-              <a:rPr sz="1000">
-                <a:solidFill>
-                  <a:srgbClr val="000000"/>
-                </a:solidFill>
-                <a:latin typeface="Arial"/>
-              </a:rPr>
-              <a:t>Our sales team has shown consistent growth throughout the year:</a:t>
-            </a:r>
-          </a:p>
-        </p:txBody>
-      </p:sp>
-      <p:pic>
-        <p:nvPicPr>
-          <p:cNvPr id="4" name="Picture 3" descr="sales_chart_e830bb20.png"/>
-          <p:cNvPicPr>
-            <a:picLocks noChangeAspect="1"/>
-          </p:cNvPicPr>
+              <a:rPr sz="1300" b="1">
+                <a:solidFill>
+                  <a:srgbClr val="000000"/>
+                </a:solidFill>
+                <a:latin typeface="Arial"/>
+              </a:rPr>
+              <a:t>Key Achievements This Quarter</a:t>
+            </a:r>
+          </a:p>
+        </p:txBody>
+      </p:sp>
+      <p:sp>
+        <p:nvSpPr>
+          <p:cNvPr id="4" name="TextBox 3"/>
+          <p:cNvSpPr txBox="1"/>
           <p:nvPr/>
-        </p:nvPicPr>
-        <p:blipFill>
-          <a:blip r:embed="rId2"/>
-          <a:stretch>
-            <a:fillRect/>
-          </a:stretch>
-        </p:blipFill>
+        </p:nvSpPr>
         <p:spPr>
           <a:xfrm>
-            <a:off x="200025" y="704849"/>
-            <a:ext cx="6115050" cy="4572000"/>
+            <a:off x="200025" y="876299"/>
+            <a:ext cx="8943975" cy="678180"/>
           </a:xfrm>
           <a:prstGeom prst="rect">
             <a:avLst/>
           </a:prstGeom>
+          <a:noFill/>
         </p:spPr>
-      </p:pic>
+        <p:txBody>
+          <a:bodyPr wrap="square" lIns="0" rIns="0" tIns="0" bIns="0">
+            <a:spAutoFit/>
+          </a:bodyPr>
+          <a:lstStyle/>
+          <a:p>
+            <a:pPr algn="l">
+              <a:spcBef>
+                <a:spcPts val="0"/>
+              </a:spcBef>
+              <a:spcAft>
+                <a:spcPts val="0"/>
+              </a:spcAft>
+            </a:pPr>
+            <a:r>
+              <a:rPr sz="1000">
+                <a:solidFill>
+                  <a:srgbClr val="000000"/>
+                </a:solidFill>
+                <a:latin typeface="Arial"/>
+              </a:rPr>
+              <a:t>• </a:t>
+            </a:r>
+            <a:r>
+              <a:rPr b="1" sz="1000">
+                <a:solidFill>
+                  <a:srgbClr val="000000"/>
+                </a:solidFill>
+                <a:latin typeface="Arial"/>
+              </a:rPr>
+              <a:t>Revenue Growth</a:t>
+            </a:r>
+            <a:r>
+              <a:rPr sz="1000">
+                <a:solidFill>
+                  <a:srgbClr val="000000"/>
+                </a:solidFill>
+                <a:latin typeface="Arial"/>
+              </a:rPr>
+              <a:t>: 15.2% increase</a:t>
+            </a:r>
+          </a:p>
+          <a:p>
+            <a:pPr algn="l"/>
+            <a:r>
+              <a:rPr sz="1000">
+                <a:solidFill>
+                  <a:srgbClr val="000000"/>
+                </a:solidFill>
+                <a:latin typeface="Arial"/>
+              </a:rPr>
+              <a:t>• </a:t>
+            </a:r>
+            <a:r>
+              <a:rPr b="1" sz="1000">
+                <a:solidFill>
+                  <a:srgbClr val="000000"/>
+                </a:solidFill>
+                <a:latin typeface="Arial"/>
+              </a:rPr>
+              <a:t>Market Position</a:t>
+            </a:r>
+            <a:r>
+              <a:rPr sz="1000">
+                <a:solidFill>
+                  <a:srgbClr val="000000"/>
+                </a:solidFill>
+                <a:latin typeface="Arial"/>
+              </a:rPr>
+              <a:t>: 2nd in industry</a:t>
+            </a:r>
+          </a:p>
+          <a:p>
+            <a:pPr algn="l"/>
+            <a:r>
+              <a:rPr sz="1000">
+                <a:solidFill>
+                  <a:srgbClr val="000000"/>
+                </a:solidFill>
+                <a:latin typeface="Arial"/>
+              </a:rPr>
+              <a:t>• </a:t>
+            </a:r>
+            <a:r>
+              <a:rPr b="1" sz="1000">
+                <a:solidFill>
+                  <a:srgbClr val="000000"/>
+                </a:solidFill>
+                <a:latin typeface="Arial"/>
+              </a:rPr>
+              <a:t>Customer Satisfaction</a:t>
+            </a:r>
+            <a:r>
+              <a:rPr sz="1000">
+                <a:solidFill>
+                  <a:srgbClr val="000000"/>
+                </a:solidFill>
+                <a:latin typeface="Arial"/>
+              </a:rPr>
+              <a:t>: 91.2%</a:t>
+            </a:r>
+          </a:p>
+          <a:p>
+            <a:pPr algn="l"/>
+            <a:r>
+              <a:rPr sz="1000">
+                <a:solidFill>
+                  <a:srgbClr val="000000"/>
+                </a:solidFill>
+                <a:latin typeface="Arial"/>
+              </a:rPr>
+              <a:t>• </a:t>
+            </a:r>
+            <a:r>
+              <a:rPr b="1" sz="1000">
+                <a:solidFill>
+                  <a:srgbClr val="000000"/>
+                </a:solidFill>
+                <a:latin typeface="Arial"/>
+              </a:rPr>
+              <a:t>Target Achievement</a:t>
+            </a:r>
+            <a:r>
+              <a:rPr sz="1000">
+                <a:solidFill>
+                  <a:srgbClr val="000000"/>
+                </a:solidFill>
+                <a:latin typeface="Arial"/>
+              </a:rPr>
+              <a:t>: 108.0%</a:t>
+            </a:r>
+          </a:p>
+        </p:txBody>
+      </p:sp>
+      <p:sp>
+        <p:nvSpPr>
+          <p:cNvPr id="5" name="TextBox 4"/>
+          <p:cNvSpPr txBox="1"/>
+          <p:nvPr/>
+        </p:nvSpPr>
+        <p:spPr>
+          <a:xfrm>
+            <a:off x="581025" y="1611629"/>
+            <a:ext cx="7981949" cy="419100"/>
+          </a:xfrm>
+          <a:prstGeom prst="rect">
+            <a:avLst/>
+          </a:prstGeom>
+          <a:noFill/>
+        </p:spPr>
+        <p:txBody>
+          <a:bodyPr wrap="square" lIns="0" rIns="0" tIns="0" bIns="0">
+            <a:spAutoFit/>
+          </a:bodyPr>
+          <a:lstStyle/>
+          <a:p>
+            <a:pPr algn="l">
+              <a:lnSpc>
+                <a:spcPct val="120000"/>
+              </a:lnSpc>
+              <a:spcBef>
+                <a:spcPts val="0"/>
+              </a:spcBef>
+              <a:spcAft>
+                <a:spcPts val="0"/>
+              </a:spcAft>
+            </a:pPr>
+            <a:r>
+              <a:rPr sz="1000">
+                <a:solidFill>
+                  <a:srgbClr val="000000"/>
+                </a:solidFill>
+                <a:latin typeface="Arial"/>
+              </a:rPr>
+              <a:t>p data-bid="b17"&gt;</a:t>
+            </a:r>
+            <a:r>
+              <a:rPr i="1" sz="1000">
+                <a:solidFill>
+                  <a:srgbClr val="000000"/>
+                </a:solidFill>
+                <a:latin typeface="Arial"/>
+              </a:rPr>
+              <a:t>TechCorp Solutions</a:t>
+            </a:r>
+            <a:r>
+              <a:rPr sz="1000">
+                <a:solidFill>
+                  <a:srgbClr val="000000"/>
+                </a:solidFill>
+                <a:latin typeface="Arial"/>
+              </a:rPr>
+              <a:t> continues to lead in innovation and customer satisfaction.</a:t>
+            </a:r>
+            <a:r>
+              <a:rPr sz="1000">
+                <a:solidFill>
+                  <a:srgbClr val="000000"/>
+                </a:solidFill>
+                <a:latin typeface="Arial"/>
+              </a:rPr>
+              <a:t>/p&gt;</a:t>
+            </a:r>
+          </a:p>
+        </p:txBody>
+      </p:sp>
     </p:spTree>
   </p:cSld>
   <p:clrMapOvr>
@@ -6140,7 +6071,7 @@
         <p:spPr>
           <a:xfrm>
             <a:off x="200025" y="180975"/>
-            <a:ext cx="8943975" cy="274320"/>
+            <a:ext cx="8943975" cy="390525"/>
           </a:xfrm>
           <a:prstGeom prst="rect">
             <a:avLst/>
@@ -6165,13 +6096,13 @@
               </a:spcAft>
             </a:pPr>
             <a:r>
-              <a:rPr b="1" sz="1000">
-                <a:solidFill>
-                  <a:srgbClr val="000000"/>
-                </a:solidFill>
-                <a:latin typeface="Arial"/>
-              </a:rPr>
-              <a:t>Key Insights:</a:t>
+              <a:rPr sz="1600" b="1">
+                <a:solidFill>
+                  <a:srgbClr val="000000"/>
+                </a:solidFill>
+                <a:latin typeface="Arial"/>
+              </a:rPr>
+              <a:t>Sales Performance Analysis</a:t>
             </a:r>
           </a:p>
         </p:txBody>
@@ -6184,8 +6115,8 @@
         </p:nvSpPr>
         <p:spPr>
           <a:xfrm>
-            <a:off x="200025" y="409574"/>
-            <a:ext cx="8943975" cy="541972"/>
+            <a:off x="200025" y="571500"/>
+            <a:ext cx="8943975" cy="274320"/>
           </a:xfrm>
           <a:prstGeom prst="rect">
             <a:avLst/>
@@ -6199,6 +6130,9 @@
           <a:lstStyle/>
           <a:p>
             <a:pPr algn="l">
+              <a:lnSpc>
+                <a:spcPct val="120000"/>
+              </a:lnSpc>
               <a:spcBef>
                 <a:spcPts val="0"/>
               </a:spcBef>
@@ -6213,62 +6147,35 @@
                 </a:solidFill>
                 <a:latin typeface="Arial"/>
               </a:rPr>
-              <a:t>• </a:t>
-            </a:r>
-            <a:r>
-              <a:rPr sz="1000">
-                <a:solidFill>
-                  <a:srgbClr val="000000"/>
-                </a:solidFill>
-                <a:latin typeface="Arial"/>
-              </a:rPr>
-              <a:t>Q4 achieved highest sales at $200K</a:t>
-            </a:r>
-          </a:p>
-          <a:p>
-            <a:pPr algn="l"/>
-            <a:r>
-              <a:rPr sz="1000">
-                <a:solidFill>
-                  <a:srgbClr val="000000"/>
-                </a:solidFill>
-                <a:latin typeface="Arial"/>
-              </a:rPr>
-              <a:t>• </a:t>
-            </a:r>
-            <a:r>
-              <a:rPr sz="1000">
-                <a:solidFill>
-                  <a:srgbClr val="000000"/>
-                </a:solidFill>
-                <a:latin typeface="Arial"/>
-              </a:rPr>
-              <a:t>67% growth from Q1 to Q4</a:t>
-            </a:r>
-          </a:p>
-          <a:p>
-            <a:pPr algn="l"/>
-            <a:r>
-              <a:rPr sz="1000">
-                <a:solidFill>
-                  <a:srgbClr val="000000"/>
-                </a:solidFill>
-                <a:latin typeface="Arial"/>
-              </a:rPr>
-              <a:t>• </a:t>
-            </a:r>
-            <a:r>
-              <a:rPr sz="1000">
-                <a:solidFill>
-                  <a:srgbClr val="000000"/>
-                </a:solidFill>
-                <a:latin typeface="Arial"/>
-              </a:rPr>
-              <a:t>Exceeded annual target by 15%</a:t>
-            </a:r>
-          </a:p>
-        </p:txBody>
-      </p:sp>
+              <a:t>Our quarterly sales performance shows consistent improvement:</a:t>
+            </a:r>
+          </a:p>
+        </p:txBody>
+      </p:sp>
+      <p:pic>
+        <p:nvPicPr>
+          <p:cNvPr id="4" name="Picture 3" descr="slide_bc8113d8_create_sales_chart.png"/>
+          <p:cNvPicPr>
+            <a:picLocks noChangeAspect="1"/>
+          </p:cNvPicPr>
+          <p:nvPr/>
+        </p:nvPicPr>
+        <p:blipFill>
+          <a:blip r:embed="rId2"/>
+          <a:stretch>
+            <a:fillRect/>
+          </a:stretch>
+        </p:blipFill>
+        <p:spPr>
+          <a:xfrm>
+            <a:off x="200025" y="800100"/>
+            <a:ext cx="6419850" cy="3981449"/>
+          </a:xfrm>
+          <a:prstGeom prst="rect">
+            <a:avLst/>
+          </a:prstGeom>
+        </p:spPr>
+      </p:pic>
     </p:spTree>
   </p:cSld>
   <p:clrMapOvr>
@@ -6304,7 +6211,7 @@
         <p:spPr>
           <a:xfrm>
             <a:off x="200025" y="180975"/>
-            <a:ext cx="8943975" cy="390525"/>
+            <a:ext cx="8943975" cy="304800"/>
           </a:xfrm>
           <a:prstGeom prst="rect">
             <a:avLst/>
@@ -6329,13 +6236,13 @@
               </a:spcAft>
             </a:pPr>
             <a:r>
-              <a:rPr sz="1600" b="1">
-                <a:solidFill>
-                  <a:srgbClr val="000000"/>
-                </a:solidFill>
-                <a:latin typeface="Arial"/>
-              </a:rPr>
-              <a:t>Monthly Growth Analysis</a:t>
+              <a:rPr sz="1300" b="1">
+                <a:solidFill>
+                  <a:srgbClr val="000000"/>
+                </a:solidFill>
+                <a:latin typeface="Arial"/>
+              </a:rPr>
+              <a:t>Key Insights</a:t>
             </a:r>
           </a:p>
         </p:txBody>
@@ -6348,8 +6255,8 @@
         </p:nvSpPr>
         <p:spPr>
           <a:xfrm>
-            <a:off x="200025" y="571500"/>
-            <a:ext cx="8943975" cy="274320"/>
+            <a:off x="200025" y="495299"/>
+            <a:ext cx="8943975" cy="541972"/>
           </a:xfrm>
           <a:prstGeom prst="rect">
             <a:avLst/>
@@ -6363,9 +6270,6 @@
           <a:lstStyle/>
           <a:p>
             <a:pPr algn="l">
-              <a:lnSpc>
-                <a:spcPct val="120000"/>
-              </a:lnSpc>
               <a:spcBef>
                 <a:spcPts val="0"/>
               </a:spcBef>
@@ -6380,35 +6284,80 @@
                 </a:solidFill>
                 <a:latin typeface="Arial"/>
               </a:rPr>
-              <a:t>The growth trajectory shows strong momentum:</a:t>
-            </a:r>
-          </a:p>
-        </p:txBody>
-      </p:sp>
-      <p:pic>
-        <p:nvPicPr>
-          <p:cNvPr id="4" name="Picture 3" descr="growth_trend_e54b84ea.png"/>
-          <p:cNvPicPr>
-            <a:picLocks noChangeAspect="1"/>
-          </p:cNvPicPr>
-          <p:nvPr/>
-        </p:nvPicPr>
-        <p:blipFill>
-          <a:blip r:embed="rId2"/>
-          <a:stretch>
-            <a:fillRect/>
-          </a:stretch>
-        </p:blipFill>
-        <p:spPr>
-          <a:xfrm>
-            <a:off x="200025" y="704849"/>
-            <a:ext cx="6115050" cy="4572000"/>
-          </a:xfrm>
-          <a:prstGeom prst="rect">
-            <a:avLst/>
-          </a:prstGeom>
-        </p:spPr>
-      </p:pic>
+              <a:t>• </a:t>
+            </a:r>
+            <a:r>
+              <a:rPr b="1" sz="1000">
+                <a:solidFill>
+                  <a:srgbClr val="009900"/>
+                </a:solidFill>
+                <a:latin typeface="Arial"/>
+              </a:rPr>
+              <a:t>Q4 exceeded targets</a:t>
+            </a:r>
+            <a:r>
+              <a:rPr sz="1000">
+                <a:solidFill>
+                  <a:srgbClr val="000000"/>
+                </a:solidFill>
+                <a:latin typeface="Arial"/>
+              </a:rPr>
+              <a:t> by 5.6%</a:t>
+            </a:r>
+          </a:p>
+          <a:p>
+            <a:pPr algn="l"/>
+            <a:r>
+              <a:rPr sz="1000">
+                <a:solidFill>
+                  <a:srgbClr val="000000"/>
+                </a:solidFill>
+                <a:latin typeface="Arial"/>
+              </a:rPr>
+              <a:t>• </a:t>
+            </a:r>
+            <a:r>
+              <a:rPr sz="1000">
+                <a:solidFill>
+                  <a:srgbClr val="000000"/>
+                </a:solidFill>
+                <a:latin typeface="Arial"/>
+              </a:rPr>
+              <a:t>Average performance: 87.5%</a:t>
+            </a:r>
+          </a:p>
+          <a:p>
+            <a:pPr algn="l"/>
+            <a:r>
+              <a:rPr sz="1000">
+                <a:solidFill>
+                  <a:srgbClr val="000000"/>
+                </a:solidFill>
+                <a:latin typeface="Arial"/>
+              </a:rPr>
+              <a:t>• </a:t>
+            </a:r>
+            <a:r>
+              <a:rPr i="1" sz="1000">
+                <a:solidFill>
+                  <a:srgbClr val="0066CC"/>
+                </a:solidFill>
+                <a:latin typeface="Arial"/>
+              </a:rPr>
+              <a:t>Trend is positive</a:t>
+            </a:r>
+            <a:r>
+              <a:rPr sz="1000">
+                <a:solidFill>
+                  <a:srgbClr val="000000"/>
+                </a:solidFill>
+                <a:latin typeface="Arial"/>
+              </a:rPr>
+              <a:t> across all quarters</a:t>
+            </a:r>
+          </a:p>
+        </p:txBody>
+      </p:sp>
     </p:spTree>
   </p:cSld>
   <p:clrMapOvr>
@@ -6444,7 +6393,7 @@
         <p:spPr>
           <a:xfrm>
             <a:off x="200025" y="180975"/>
-            <a:ext cx="8943975" cy="274320"/>
+            <a:ext cx="8943975" cy="390525"/>
           </a:xfrm>
           <a:prstGeom prst="rect">
             <a:avLst/>
@@ -6469,13 +6418,13 @@
               </a:spcAft>
             </a:pPr>
             <a:r>
-              <a:rPr b="1" sz="1000">
-                <a:solidFill>
-                  <a:srgbClr val="000000"/>
-                </a:solidFill>
-                <a:latin typeface="Arial"/>
-              </a:rPr>
-              <a:t>Growth Highlights:</a:t>
+              <a:rPr sz="1600" b="1">
+                <a:solidFill>
+                  <a:srgbClr val="000000"/>
+                </a:solidFill>
+                <a:latin typeface="Arial"/>
+              </a:rPr>
+              <a:t>Market Position</a:t>
             </a:r>
           </a:p>
         </p:txBody>
@@ -6488,8 +6437,8 @@
         </p:nvSpPr>
         <p:spPr>
           <a:xfrm>
-            <a:off x="200025" y="409574"/>
-            <a:ext cx="8943975" cy="541972"/>
+            <a:off x="200025" y="571500"/>
+            <a:ext cx="8943975" cy="274320"/>
           </a:xfrm>
           <a:prstGeom prst="rect">
             <a:avLst/>
@@ -6503,6 +6452,9 @@
           <a:lstStyle/>
           <a:p>
             <a:pPr algn="l">
+              <a:lnSpc>
+                <a:spcPct val="120000"/>
+              </a:lnSpc>
               <a:spcBef>
                 <a:spcPts val="0"/>
               </a:spcBef>
@@ -6517,58 +6469,76 @@
                 </a:solidFill>
                 <a:latin typeface="Arial"/>
               </a:rPr>
-              <a:t>• </a:t>
-            </a:r>
-            <a:r>
-              <a:rPr sz="1000">
-                <a:solidFill>
-                  <a:srgbClr val="000000"/>
-                </a:solidFill>
-                <a:latin typeface="Arial"/>
-              </a:rPr>
-              <a:t>Consistent month-over-month improvement</a:t>
-            </a:r>
-          </a:p>
-          <a:p>
-            <a:pPr algn="l"/>
-            <a:r>
-              <a:rPr sz="1000">
-                <a:solidFill>
-                  <a:srgbClr val="000000"/>
-                </a:solidFill>
-                <a:latin typeface="Arial"/>
-              </a:rPr>
-              <a:t>• </a:t>
-            </a:r>
-            <a:r>
-              <a:rPr sz="1000">
-                <a:solidFill>
-                  <a:srgbClr val="000000"/>
-                </a:solidFill>
-                <a:latin typeface="Arial"/>
-              </a:rPr>
-              <a:t>Peak growth of 18.4% in June</a:t>
-            </a:r>
-          </a:p>
-          <a:p>
-            <a:pPr algn="l"/>
-            <a:r>
-              <a:rPr sz="1000">
-                <a:solidFill>
-                  <a:srgbClr val="000000"/>
-                </a:solidFill>
-                <a:latin typeface="Arial"/>
-              </a:rPr>
-              <a:t>• </a:t>
-            </a:r>
-            <a:r>
-              <a:rPr sz="1000">
-                <a:solidFill>
-                  <a:srgbClr val="000000"/>
-                </a:solidFill>
-                <a:latin typeface="Arial"/>
-              </a:rPr>
-              <a:t>Average monthly growth: 11.3%</a:t>
+              <a:t>Our market share remains strong in the competitive landscape:</a:t>
+            </a:r>
+          </a:p>
+        </p:txBody>
+      </p:sp>
+      <p:pic>
+        <p:nvPicPr>
+          <p:cNvPr id="4" name="Picture 3" descr="slide_af09c7df_create_market_share.png"/>
+          <p:cNvPicPr>
+            <a:picLocks noChangeAspect="1"/>
+          </p:cNvPicPr>
+          <p:nvPr/>
+        </p:nvPicPr>
+        <p:blipFill>
+          <a:blip r:embed="rId2"/>
+          <a:stretch>
+            <a:fillRect/>
+          </a:stretch>
+        </p:blipFill>
+        <p:spPr>
+          <a:xfrm>
+            <a:off x="200025" y="800100"/>
+            <a:ext cx="4257675" cy="3981449"/>
+          </a:xfrm>
+          <a:prstGeom prst="rect">
+            <a:avLst/>
+          </a:prstGeom>
+        </p:spPr>
+      </p:pic>
+      <p:sp>
+        <p:nvSpPr>
+          <p:cNvPr id="5" name="TextBox 4"/>
+          <p:cNvSpPr txBox="1"/>
+          <p:nvPr/>
+        </p:nvSpPr>
+        <p:spPr>
+          <a:xfrm>
+            <a:off x="200025" y="10267950"/>
+            <a:ext cx="8943975" cy="274320"/>
+          </a:xfrm>
+          <a:prstGeom prst="rect">
+            <a:avLst/>
+          </a:prstGeom>
+          <a:noFill/>
+        </p:spPr>
+        <p:txBody>
+          <a:bodyPr wrap="square" lIns="0" rIns="0" tIns="0" bIns="0">
+            <a:spAutoFit/>
+          </a:bodyPr>
+          <a:lstStyle/>
+          <a:p>
+            <a:pPr algn="l">
+              <a:lnSpc>
+                <a:spcPct val="120000"/>
+              </a:lnSpc>
+              <a:spcBef>
+                <a:spcPts val="0"/>
+              </a:spcBef>
+              <a:spcAft>
+                <a:spcPts val="0"/>
+              </a:spcAft>
+            </a:pPr>
+            <a:r>
+              <a:rPr sz="1100" b="1">
+                <a:solidFill>
+                  <a:srgbClr val="000000"/>
+                </a:solidFill>
+                <a:latin typeface="Arial"/>
+              </a:rPr>
+              <a:t>Strategic Advantages</a:t>
             </a:r>
           </a:p>
         </p:txBody>
@@ -6608,7 +6578,7 @@
         <p:spPr>
           <a:xfrm>
             <a:off x="200025" y="180975"/>
-            <a:ext cx="8943975" cy="390525"/>
+            <a:ext cx="8943975" cy="541972"/>
           </a:xfrm>
           <a:prstGeom prst="rect">
             <a:avLst/>
@@ -6622,9 +6592,6 @@
           <a:lstStyle/>
           <a:p>
             <a:pPr algn="l">
-              <a:lnSpc>
-                <a:spcPct val="120000"/>
-              </a:lnSpc>
               <a:spcBef>
                 <a:spcPts val="0"/>
               </a:spcBef>
@@ -6633,58 +6600,73 @@
               </a:spcAft>
             </a:pPr>
             <a:r>
-              <a:rPr sz="1600" b="1">
-                <a:solidFill>
-                  <a:srgbClr val="000000"/>
-                </a:solidFill>
-                <a:latin typeface="Arial"/>
-              </a:rPr>
-              <a:t>Customer Insights</a:t>
-            </a:r>
-          </a:p>
-        </p:txBody>
-      </p:sp>
-      <p:sp>
-        <p:nvSpPr>
-          <p:cNvPr id="3" name="TextBox 2"/>
-          <p:cNvSpPr txBox="1"/>
-          <p:nvPr/>
-        </p:nvSpPr>
-        <p:spPr>
-          <a:xfrm>
-            <a:off x="200025" y="571500"/>
-            <a:ext cx="8943975" cy="304800"/>
-          </a:xfrm>
-          <a:prstGeom prst="rect">
-            <a:avLst/>
-          </a:prstGeom>
-          <a:noFill/>
-        </p:spPr>
-        <p:txBody>
-          <a:bodyPr wrap="square" lIns="0" rIns="0" tIns="0" bIns="0">
-            <a:spAutoFit/>
-          </a:bodyPr>
-          <a:lstStyle/>
-          <a:p>
-            <a:pPr algn="l">
-              <a:lnSpc>
-                <a:spcPct val="120000"/>
-              </a:lnSpc>
-              <a:spcBef>
-                <a:spcPts val="0"/>
-              </a:spcBef>
-              <a:spcAft>
-                <a:spcPts val="0"/>
-              </a:spcAft>
-            </a:pPr>
-            <a:r>
-              <a:rPr sz="1300" b="1">
-                <a:solidFill>
-                  <a:srgbClr val="000000"/>
-                </a:solidFill>
-                <a:latin typeface="Arial"/>
-              </a:rPr>
-              <a:t>Satisfaction vs Loyalty Analysis</a:t>
+              <a:rPr sz="1000">
+                <a:solidFill>
+                  <a:srgbClr val="000000"/>
+                </a:solidFill>
+                <a:latin typeface="Arial"/>
+              </a:rPr>
+              <a:t>1. </a:t>
+            </a:r>
+            <a:r>
+              <a:rPr b="1" sz="1000">
+                <a:solidFill>
+                  <a:srgbClr val="009900"/>
+                </a:solidFill>
+                <a:latin typeface="Arial"/>
+              </a:rPr>
+              <a:t>Market Leader</a:t>
+            </a:r>
+            <a:r>
+              <a:rPr sz="1000">
+                <a:solidFill>
+                  <a:srgbClr val="000000"/>
+                </a:solidFill>
+                <a:latin typeface="Arial"/>
+              </a:rPr>
+              <a:t>: 35% market share</a:t>
+            </a:r>
+          </a:p>
+          <a:p>
+            <a:pPr algn="l"/>
+            <a:r>
+              <a:rPr sz="1000">
+                <a:solidFill>
+                  <a:srgbClr val="000000"/>
+                </a:solidFill>
+                <a:latin typeface="Arial"/>
+              </a:rPr>
+              <a:t>2. </a:t>
+            </a:r>
+            <a:r>
+              <a:rPr sz="1000">
+                <a:solidFill>
+                  <a:srgbClr val="000000"/>
+                </a:solidFill>
+                <a:latin typeface="Arial"/>
+              </a:rPr>
+              <a:t>Strong brand recognition</a:t>
+            </a:r>
+          </a:p>
+          <a:p>
+            <a:pPr algn="l"/>
+            <a:r>
+              <a:rPr sz="1000">
+                <a:solidFill>
+                  <a:srgbClr val="000000"/>
+                </a:solidFill>
+                <a:latin typeface="Arial"/>
+              </a:rPr>
+              <a:t>3. </a:t>
+            </a:r>
+            <a:r>
+              <a:rPr sz="1000">
+                <a:solidFill>
+                  <a:srgbClr val="000000"/>
+                </a:solidFill>
+                <a:latin typeface="Arial"/>
+              </a:rPr>
+              <a:t>Customer loyalty: 84.7%</a:t>
             </a:r>
           </a:p>
         </p:txBody>
@@ -6715,66 +6697,16 @@
         <p:nvPr/>
       </p:nvGrpSpPr>
       <p:grpSpPr/>
-      <p:pic>
-        <p:nvPicPr>
-          <p:cNvPr id="2" name="Picture 1" descr="customer_scatter_f0061510.png"/>
-          <p:cNvPicPr>
-            <a:picLocks noChangeAspect="1"/>
-          </p:cNvPicPr>
+      <p:sp>
+        <p:nvSpPr>
+          <p:cNvPr id="2" name="TextBox 1"/>
+          <p:cNvSpPr txBox="1"/>
           <p:nvPr/>
-        </p:nvPicPr>
-        <p:blipFill>
-          <a:blip r:embed="rId2"/>
-          <a:stretch>
-            <a:fillRect/>
-          </a:stretch>
-        </p:blipFill>
+        </p:nvSpPr>
         <p:spPr>
           <a:xfrm>
             <a:off x="200025" y="180975"/>
-            <a:ext cx="6115050" cy="4572000"/>
-          </a:xfrm>
-          <a:prstGeom prst="rect">
-            <a:avLst/>
-          </a:prstGeom>
-        </p:spPr>
-      </p:pic>
-    </p:spTree>
-  </p:cSld>
-  <p:clrMapOvr>
-    <a:masterClrMapping/>
-  </p:clrMapOvr>
-</p:sld>
-</file>
-
-<file path=ppt/slides/slide8.xml><?xml version="1.0" encoding="utf-8"?>
-<p:sld xmlns:a="http://schemas.openxmlformats.org/drawingml/2006/main" xmlns:p="http://schemas.openxmlformats.org/presentationml/2006/main" xmlns:r="http://schemas.openxmlformats.org/officeDocument/2006/relationships">
-  <p:cSld>
-    <p:bg>
-      <p:bgPr>
-        <a:solidFill>
-          <a:srgbClr val="FFFFFF"/>
-        </a:solidFill>
-        <a:effectLst/>
-      </p:bgPr>
-    </p:bg>
-    <p:spTree>
-      <p:nvGrpSpPr>
-        <p:cNvPr id="1" name=""/>
-        <p:cNvGrpSpPr/>
-        <p:nvPr/>
-      </p:nvGrpSpPr>
-      <p:grpSpPr/>
-      <p:sp>
-        <p:nvSpPr>
-          <p:cNvPr id="2" name="TextBox 1"/>
-          <p:cNvSpPr txBox="1"/>
-          <p:nvPr/>
-        </p:nvSpPr>
-        <p:spPr>
-          <a:xfrm>
-            <a:off x="200025" y="180975"/>
-            <a:ext cx="8943975" cy="304800"/>
+            <a:ext cx="8943975" cy="390525"/>
           </a:xfrm>
           <a:prstGeom prst="rect">
             <a:avLst/>
@@ -6799,13 +6731,13 @@
               </a:spcAft>
             </a:pPr>
             <a:r>
-              <a:rPr sz="1300" b="1">
-                <a:solidFill>
-                  <a:srgbClr val="000000"/>
-                </a:solidFill>
-                <a:latin typeface="Arial"/>
-              </a:rPr>
-              <a:t>Regional Performance</a:t>
+              <a:rPr sz="1600" b="1">
+                <a:solidFill>
+                  <a:srgbClr val="000000"/>
+                </a:solidFill>
+                <a:latin typeface="Arial"/>
+              </a:rPr>
+              <a:t>Regional Performance Analysis</a:t>
             </a:r>
           </a:p>
         </p:txBody>
@@ -6818,8 +6750,53 @@
         </p:nvSpPr>
         <p:spPr>
           <a:xfrm>
-            <a:off x="200025" y="485775"/>
-            <a:ext cx="2447924" cy="1628775"/>
+            <a:off x="200025" y="571500"/>
+            <a:ext cx="8943975" cy="304800"/>
+          </a:xfrm>
+          <a:prstGeom prst="rect">
+            <a:avLst/>
+          </a:prstGeom>
+          <a:noFill/>
+        </p:spPr>
+        <p:txBody>
+          <a:bodyPr wrap="square" lIns="0" rIns="0" tIns="0" bIns="0">
+            <a:spAutoFit/>
+          </a:bodyPr>
+          <a:lstStyle/>
+          <a:p>
+            <a:pPr algn="l">
+              <a:lnSpc>
+                <a:spcPct val="120000"/>
+              </a:lnSpc>
+              <a:spcBef>
+                <a:spcPts val="0"/>
+              </a:spcBef>
+              <a:spcAft>
+                <a:spcPts val="0"/>
+              </a:spcAft>
+            </a:pPr>
+            <a:r>
+              <a:rPr sz="1300" b="1">
+                <a:solidFill>
+                  <a:srgbClr val="000000"/>
+                </a:solidFill>
+                <a:latin typeface="Arial"/>
+              </a:rPr>
+              <a:t>Performance by Region</a:t>
+            </a:r>
+          </a:p>
+        </p:txBody>
+      </p:sp>
+      <p:sp>
+        <p:nvSpPr>
+          <p:cNvPr id="4" name="TextBox 3"/>
+          <p:cNvSpPr txBox="1"/>
+          <p:nvPr/>
+        </p:nvSpPr>
+        <p:spPr>
+          <a:xfrm>
+            <a:off x="200025" y="876299"/>
+            <a:ext cx="2247899" cy="1628775"/>
           </a:xfrm>
           <a:prstGeom prst="rect">
             <a:avLst/>
@@ -6845,15 +6822,15 @@
       </p:sp>
       <p:graphicFrame>
         <p:nvGraphicFramePr>
-          <p:cNvPr id="4" name="Table 3"/>
+          <p:cNvPr id="5" name="Table 4"/>
           <p:cNvGraphicFramePr>
             <a:graphicFrameLocks noGrp="1"/>
           </p:cNvGraphicFramePr>
           <p:nvPr/>
         </p:nvGraphicFramePr>
         <p:xfrm>
-          <a:off x="200025" y="485775"/>
-          <a:ext cx="2691897" cy="1571625"/>
+          <a:off x="200025" y="876299"/>
+          <a:ext cx="2464912" cy="1571625"/>
         </p:xfrm>
         <a:graphic>
           <a:graphicData uri="http://schemas.openxmlformats.org/drawingml/2006/table">
@@ -6894,9 +6871,9 @@
               </a:tblPr>
               <a:tblGrid>
                 <a:gridCol w="533206"/>
-                <a:gridCol w="725485"/>
+                <a:gridCol w="614898"/>
+                <a:gridCol w="544830"/>
                 <a:gridCol w="771978"/>
-                <a:gridCol w="661228"/>
               </a:tblGrid>
               <a:tr h="314325">
                 <a:tc>
@@ -6977,7 +6954,68 @@
                           </a:solidFill>
                           <a:latin typeface="Arial"/>
                         </a:rPr>
-                        <a:t>Customers</a:t>
+                        <a:t>Revenue</a:t>
+                      </a:r>
+                    </a:p>
+                  </a:txBody>
+                  <a:tcPr>
+                    <a:noFill/>
+                    <a:lnL w="12700">
+                      <a:solidFill>
+                        <a:srgbClr val="000"/>
+                      </a:solidFill>
+                      <a:prstDash val="solid"/>
+                      <a:round/>
+                      <a:headEnd type="none" w="med" len="med"/>
+                      <a:tailEnd type="none" w="med" len="med"/>
+                    </a:lnL>
+                    <a:lnR w="12700">
+                      <a:solidFill>
+                        <a:srgbClr val="000"/>
+                      </a:solidFill>
+                      <a:prstDash val="solid"/>
+                      <a:round/>
+                      <a:headEnd type="none" w="med" len="med"/>
+                      <a:tailEnd type="none" w="med" len="med"/>
+                    </a:lnR>
+                    <a:lnT w="12700">
+                      <a:solidFill>
+                        <a:srgbClr val="000"/>
+                      </a:solidFill>
+                      <a:prstDash val="solid"/>
+                      <a:round/>
+                      <a:headEnd type="none" w="med" len="med"/>
+                      <a:tailEnd type="none" w="med" len="med"/>
+                    </a:lnT>
+                    <a:lnB w="12700">
+                      <a:solidFill>
+                        <a:srgbClr val="000"/>
+                      </a:solidFill>
+                      <a:prstDash val="solid"/>
+                      <a:round/>
+                      <a:headEnd type="none" w="med" len="med"/>
+                      <a:tailEnd type="none" w="med" len="med"/>
+                    </a:lnB>
+                  </a:tcPr>
+                </a:tc>
+                <a:tc>
+                  <a:txBody>
+                    <a:bodyPr lIns="76200" rIns="76200" tIns="76200" bIns="76200"/>
+                    <a:lstStyle/>
+                    <a:p>
+                      <a:pPr>
+                        <a:lnSpc>
+                          <a:spcPct val="120000"/>
+                        </a:lnSpc>
+                      </a:pPr>
+                      <a:r>
+                        <a:rPr b="1" sz="800">
+                          <a:solidFill>
+                            <a:srgbClr val="000000"/>
+                          </a:solidFill>
+                          <a:latin typeface="Arial"/>
+                        </a:rPr>
+                        <a:t>Growth</a:t>
                       </a:r>
                     </a:p>
                   </a:txBody>
@@ -7039,67 +7077,6 @@
                           <a:latin typeface="Arial"/>
                         </a:rPr>
                         <a:t>Satisfaction</a:t>
-                      </a:r>
-                    </a:p>
-                  </a:txBody>
-                  <a:tcPr>
-                    <a:noFill/>
-                    <a:lnL w="12700">
-                      <a:solidFill>
-                        <a:srgbClr val="000"/>
-                      </a:solidFill>
-                      <a:prstDash val="solid"/>
-                      <a:round/>
-                      <a:headEnd type="none" w="med" len="med"/>
-                      <a:tailEnd type="none" w="med" len="med"/>
-                    </a:lnL>
-                    <a:lnR w="12700">
-                      <a:solidFill>
-                        <a:srgbClr val="000"/>
-                      </a:solidFill>
-                      <a:prstDash val="solid"/>
-                      <a:round/>
-                      <a:headEnd type="none" w="med" len="med"/>
-                      <a:tailEnd type="none" w="med" len="med"/>
-                    </a:lnR>
-                    <a:lnT w="12700">
-                      <a:solidFill>
-                        <a:srgbClr val="000"/>
-                      </a:solidFill>
-                      <a:prstDash val="solid"/>
-                      <a:round/>
-                      <a:headEnd type="none" w="med" len="med"/>
-                      <a:tailEnd type="none" w="med" len="med"/>
-                    </a:lnT>
-                    <a:lnB w="12700">
-                      <a:solidFill>
-                        <a:srgbClr val="000"/>
-                      </a:solidFill>
-                      <a:prstDash val="solid"/>
-                      <a:round/>
-                      <a:headEnd type="none" w="med" len="med"/>
-                      <a:tailEnd type="none" w="med" len="med"/>
-                    </a:lnB>
-                  </a:tcPr>
-                </a:tc>
-                <a:tc>
-                  <a:txBody>
-                    <a:bodyPr lIns="76200" rIns="76200" tIns="76200" bIns="76200"/>
-                    <a:lstStyle/>
-                    <a:p>
-                      <a:pPr>
-                        <a:lnSpc>
-                          <a:spcPct val="120000"/>
-                        </a:lnSpc>
-                      </a:pPr>
-                      <a:r>
-                        <a:rPr b="1" sz="800">
-                          <a:solidFill>
-                            <a:srgbClr val="000000"/>
-                          </a:solidFill>
-                          <a:latin typeface="Arial"/>
-                        </a:rPr>
-                        <a:t>Retention</a:t>
                       </a:r>
                     </a:p>
                   </a:txBody>
@@ -7217,13 +7194,74 @@
                         </a:lnSpc>
                       </a:pPr>
                       <a:r>
-                        <a:rPr sz="800">
+                        <a:rPr b="1" sz="800">
                           <a:solidFill>
-                            <a:srgbClr val="000000"/>
+                            <a:srgbClr val="009900"/>
                           </a:solidFill>
                           <a:latin typeface="Arial"/>
                         </a:rPr>
-                        <a:t>1250</a:t>
+                        <a:t>1200000</a:t>
+                      </a:r>
+                    </a:p>
+                  </a:txBody>
+                  <a:tcPr>
+                    <a:noFill/>
+                    <a:lnL w="12700">
+                      <a:solidFill>
+                        <a:srgbClr val="000"/>
+                      </a:solidFill>
+                      <a:prstDash val="solid"/>
+                      <a:round/>
+                      <a:headEnd type="none" w="med" len="med"/>
+                      <a:tailEnd type="none" w="med" len="med"/>
+                    </a:lnL>
+                    <a:lnR w="12700">
+                      <a:solidFill>
+                        <a:srgbClr val="000"/>
+                      </a:solidFill>
+                      <a:prstDash val="solid"/>
+                      <a:round/>
+                      <a:headEnd type="none" w="med" len="med"/>
+                      <a:tailEnd type="none" w="med" len="med"/>
+                    </a:lnR>
+                    <a:lnT w="12700">
+                      <a:solidFill>
+                        <a:srgbClr val="000"/>
+                      </a:solidFill>
+                      <a:prstDash val="solid"/>
+                      <a:round/>
+                      <a:headEnd type="none" w="med" len="med"/>
+                      <a:tailEnd type="none" w="med" len="med"/>
+                    </a:lnT>
+                    <a:lnB w="12700">
+                      <a:solidFill>
+                        <a:srgbClr val="000"/>
+                      </a:solidFill>
+                      <a:prstDash val="solid"/>
+                      <a:round/>
+                      <a:headEnd type="none" w="med" len="med"/>
+                      <a:tailEnd type="none" w="med" len="med"/>
+                    </a:lnB>
+                  </a:tcPr>
+                </a:tc>
+                <a:tc>
+                  <a:txBody>
+                    <a:bodyPr lIns="76200" rIns="76200" tIns="76200" bIns="76200"/>
+                    <a:lstStyle/>
+                    <a:p>
+                      <a:pPr>
+                        <a:lnSpc>
+                          <a:spcPct val="120000"/>
+                        </a:lnSpc>
+                      </a:pPr>
+                      <a:r>
+                        <a:rPr b="1" sz="800">
+                          <a:solidFill>
+                            <a:srgbClr val="009900"/>
+                          </a:solidFill>
+                          <a:latin typeface="Arial"/>
+                        </a:rPr>
+                        <a:t>12.5</a:t>
                       </a:r>
                     </a:p>
                   </a:txBody>
@@ -7284,7 +7322,70 @@
                           </a:solidFill>
                           <a:latin typeface="Arial"/>
                         </a:rPr>
-                        <a:t>8.7</a:t>
+                        <a:t>4.2</a:t>
+                      </a:r>
+                    </a:p>
+                  </a:txBody>
+                  <a:tcPr>
+                    <a:noFill/>
+                    <a:lnL w="12700">
+                      <a:solidFill>
+                        <a:srgbClr val="000"/>
+                      </a:solidFill>
+                      <a:prstDash val="solid"/>
+                      <a:round/>
+                      <a:headEnd type="none" w="med" len="med"/>
+                      <a:tailEnd type="none" w="med" len="med"/>
+                    </a:lnL>
+                    <a:lnR w="12700">
+                      <a:solidFill>
+                        <a:srgbClr val="000"/>
+                      </a:solidFill>
+                      <a:prstDash val="solid"/>
+                      <a:round/>
+                      <a:headEnd type="none" w="med" len="med"/>
+                      <a:tailEnd type="none" w="med" len="med"/>
+                    </a:lnR>
+                    <a:lnT w="12700">
+                      <a:solidFill>
+                        <a:srgbClr val="000"/>
+                      </a:solidFill>
+                      <a:prstDash val="solid"/>
+                      <a:round/>
+                      <a:headEnd type="none" w="med" len="med"/>
+                      <a:tailEnd type="none" w="med" len="med"/>
+                    </a:lnT>
+                    <a:lnB w="12700">
+                      <a:solidFill>
+                        <a:srgbClr val="000"/>
+                      </a:solidFill>
+                      <a:prstDash val="solid"/>
+                      <a:round/>
+                      <a:headEnd type="none" w="med" len="med"/>
+                      <a:tailEnd type="none" w="med" len="med"/>
+                    </a:lnB>
+                  </a:tcPr>
+                </a:tc>
+              </a:tr>
+              <a:tr h="314325">
+                <a:tc>
+                  <a:txBody>
+                    <a:bodyPr lIns="76200" rIns="76200" tIns="76200" bIns="76200"/>
+                    <a:lstStyle/>
+                    <a:p>
+                      <a:pPr>
+                        <a:lnSpc>
+                          <a:spcPct val="120000"/>
+                        </a:lnSpc>
+                      </a:pPr>
+                      <a:r>
+                        <a:rPr sz="800">
+                          <a:solidFill>
+                            <a:srgbClr val="000000"/>
+                          </a:solidFill>
+                          <a:latin typeface="Arial"/>
+                        </a:rPr>
+                        <a:t>East</a:t>
                       </a:r>
                     </a:p>
                   </a:txBody>
@@ -7345,7 +7446,129 @@
                           </a:solidFill>
                           <a:latin typeface="Arial"/>
                         </a:rPr>
-                        <a:t>94%</a:t>
+                        <a:t>1100000</a:t>
+                      </a:r>
+                    </a:p>
+                  </a:txBody>
+                  <a:tcPr>
+                    <a:noFill/>
+                    <a:lnL w="12700">
+                      <a:solidFill>
+                        <a:srgbClr val="000"/>
+                      </a:solidFill>
+                      <a:prstDash val="solid"/>
+                      <a:round/>
+                      <a:headEnd type="none" w="med" len="med"/>
+                      <a:tailEnd type="none" w="med" len="med"/>
+                    </a:lnL>
+                    <a:lnR w="12700">
+                      <a:solidFill>
+                        <a:srgbClr val="000"/>
+                      </a:solidFill>
+                      <a:prstDash val="solid"/>
+                      <a:round/>
+                      <a:headEnd type="none" w="med" len="med"/>
+                      <a:tailEnd type="none" w="med" len="med"/>
+                    </a:lnR>
+                    <a:lnT w="12700">
+                      <a:solidFill>
+                        <a:srgbClr val="000"/>
+                      </a:solidFill>
+                      <a:prstDash val="solid"/>
+                      <a:round/>
+                      <a:headEnd type="none" w="med" len="med"/>
+                      <a:tailEnd type="none" w="med" len="med"/>
+                    </a:lnT>
+                    <a:lnB w="12700">
+                      <a:solidFill>
+                        <a:srgbClr val="000"/>
+                      </a:solidFill>
+                      <a:prstDash val="solid"/>
+                      <a:round/>
+                      <a:headEnd type="none" w="med" len="med"/>
+                      <a:tailEnd type="none" w="med" len="med"/>
+                    </a:lnB>
+                  </a:tcPr>
+                </a:tc>
+                <a:tc>
+                  <a:txBody>
+                    <a:bodyPr lIns="76200" rIns="76200" tIns="76200" bIns="76200"/>
+                    <a:lstStyle/>
+                    <a:p>
+                      <a:pPr>
+                        <a:lnSpc>
+                          <a:spcPct val="120000"/>
+                        </a:lnSpc>
+                      </a:pPr>
+                      <a:r>
+                        <a:rPr sz="800">
+                          <a:solidFill>
+                            <a:srgbClr val="000000"/>
+                          </a:solidFill>
+                          <a:latin typeface="Arial"/>
+                        </a:rPr>
+                        <a:t>15.2</a:t>
+                      </a:r>
+                    </a:p>
+                  </a:txBody>
+                  <a:tcPr>
+                    <a:noFill/>
+                    <a:lnL w="12700">
+                      <a:solidFill>
+                        <a:srgbClr val="000"/>
+                      </a:solidFill>
+                      <a:prstDash val="solid"/>
+                      <a:round/>
+                      <a:headEnd type="none" w="med" len="med"/>
+                      <a:tailEnd type="none" w="med" len="med"/>
+                    </a:lnL>
+                    <a:lnR w="12700">
+                      <a:solidFill>
+                        <a:srgbClr val="000"/>
+                      </a:solidFill>
+                      <a:prstDash val="solid"/>
+                      <a:round/>
+                      <a:headEnd type="none" w="med" len="med"/>
+                      <a:tailEnd type="none" w="med" len="med"/>
+                    </a:lnR>
+                    <a:lnT w="12700">
+                      <a:solidFill>
+                        <a:srgbClr val="000"/>
+                      </a:solidFill>
+                      <a:prstDash val="solid"/>
+                      <a:round/>
+                      <a:headEnd type="none" w="med" len="med"/>
+                      <a:tailEnd type="none" w="med" len="med"/>
+                    </a:lnT>
+                    <a:lnB w="12700">
+                      <a:solidFill>
+                        <a:srgbClr val="000"/>
+                      </a:solidFill>
+                      <a:prstDash val="solid"/>
+                      <a:round/>
+                      <a:headEnd type="none" w="med" len="med"/>
+                      <a:tailEnd type="none" w="med" len="med"/>
+                    </a:lnB>
+                  </a:tcPr>
+                </a:tc>
+                <a:tc>
+                  <a:txBody>
+                    <a:bodyPr lIns="76200" rIns="76200" tIns="76200" bIns="76200"/>
+                    <a:lstStyle/>
+                    <a:p>
+                      <a:pPr>
+                        <a:lnSpc>
+                          <a:spcPct val="120000"/>
+                        </a:lnSpc>
+                      </a:pPr>
+                      <a:r>
+                        <a:rPr b="1" sz="800">
+                          <a:solidFill>
+                            <a:srgbClr val="0066CC"/>
+                          </a:solidFill>
+                          <a:latin typeface="Arial"/>
+                        </a:rPr>
+                        <a:t>4.5</a:t>
                       </a:r>
                     </a:p>
                   </a:txBody>
@@ -7469,7 +7692,7 @@
                           </a:solidFill>
                           <a:latin typeface="Arial"/>
                         </a:rPr>
-                        <a:t>980</a:t>
+                        <a:t>950000</a:t>
                       </a:r>
                     </a:p>
                   </a:txBody>
@@ -7530,7 +7753,7 @@
                           </a:solidFill>
                           <a:latin typeface="Arial"/>
                         </a:rPr>
-                        <a:t>8.2</a:t>
+                        <a:t>8.3</a:t>
                       </a:r>
                     </a:p>
                   </a:txBody>
@@ -7591,253 +7814,7 @@
                           </a:solidFill>
                           <a:latin typeface="Arial"/>
                         </a:rPr>
-                        <a:t>89%</a:t>
-                      </a:r>
-                    </a:p>
-                  </a:txBody>
-                  <a:tcPr>
-                    <a:noFill/>
-                    <a:lnL w="12700">
-                      <a:solidFill>
-                        <a:srgbClr val="000"/>
-                      </a:solidFill>
-                      <a:prstDash val="solid"/>
-                      <a:round/>
-                      <a:headEnd type="none" w="med" len="med"/>
-                      <a:tailEnd type="none" w="med" len="med"/>
-                    </a:lnL>
-                    <a:lnR w="12700">
-                      <a:solidFill>
-                        <a:srgbClr val="000"/>
-                      </a:solidFill>
-                      <a:prstDash val="solid"/>
-                      <a:round/>
-                      <a:headEnd type="none" w="med" len="med"/>
-                      <a:tailEnd type="none" w="med" len="med"/>
-                    </a:lnR>
-                    <a:lnT w="12700">
-                      <a:solidFill>
-                        <a:srgbClr val="000"/>
-                      </a:solidFill>
-                      <a:prstDash val="solid"/>
-                      <a:round/>
-                      <a:headEnd type="none" w="med" len="med"/>
-                      <a:tailEnd type="none" w="med" len="med"/>
-                    </a:lnT>
-                    <a:lnB w="12700">
-                      <a:solidFill>
-                        <a:srgbClr val="000"/>
-                      </a:solidFill>
-                      <a:prstDash val="solid"/>
-                      <a:round/>
-                      <a:headEnd type="none" w="med" len="med"/>
-                      <a:tailEnd type="none" w="med" len="med"/>
-                    </a:lnB>
-                  </a:tcPr>
-                </a:tc>
-              </a:tr>
-              <a:tr h="314325">
-                <a:tc>
-                  <a:txBody>
-                    <a:bodyPr lIns="76200" rIns="76200" tIns="76200" bIns="76200"/>
-                    <a:lstStyle/>
-                    <a:p>
-                      <a:pPr>
-                        <a:lnSpc>
-                          <a:spcPct val="120000"/>
-                        </a:lnSpc>
-                      </a:pPr>
-                      <a:r>
-                        <a:rPr sz="800">
-                          <a:solidFill>
-                            <a:srgbClr val="000000"/>
-                          </a:solidFill>
-                          <a:latin typeface="Arial"/>
-                        </a:rPr>
-                        <a:t>East</a:t>
-                      </a:r>
-                    </a:p>
-                  </a:txBody>
-                  <a:tcPr>
-                    <a:noFill/>
-                    <a:lnL w="12700">
-                      <a:solidFill>
-                        <a:srgbClr val="000"/>
-                      </a:solidFill>
-                      <a:prstDash val="solid"/>
-                      <a:round/>
-                      <a:headEnd type="none" w="med" len="med"/>
-                      <a:tailEnd type="none" w="med" len="med"/>
-                    </a:lnL>
-                    <a:lnR w="12700">
-                      <a:solidFill>
-                        <a:srgbClr val="000"/>
-                      </a:solidFill>
-                      <a:prstDash val="solid"/>
-                      <a:round/>
-                      <a:headEnd type="none" w="med" len="med"/>
-                      <a:tailEnd type="none" w="med" len="med"/>
-                    </a:lnR>
-                    <a:lnT w="12700">
-                      <a:solidFill>
-                        <a:srgbClr val="000"/>
-                      </a:solidFill>
-                      <a:prstDash val="solid"/>
-                      <a:round/>
-                      <a:headEnd type="none" w="med" len="med"/>
-                      <a:tailEnd type="none" w="med" len="med"/>
-                    </a:lnT>
-                    <a:lnB w="12700">
-                      <a:solidFill>
-                        <a:srgbClr val="000"/>
-                      </a:solidFill>
-                      <a:prstDash val="solid"/>
-                      <a:round/>
-                      <a:headEnd type="none" w="med" len="med"/>
-                      <a:tailEnd type="none" w="med" len="med"/>
-                    </a:lnB>
-                  </a:tcPr>
-                </a:tc>
-                <a:tc>
-                  <a:txBody>
-                    <a:bodyPr lIns="76200" rIns="76200" tIns="76200" bIns="76200"/>
-                    <a:lstStyle/>
-                    <a:p>
-                      <a:pPr>
-                        <a:lnSpc>
-                          <a:spcPct val="120000"/>
-                        </a:lnSpc>
-                      </a:pPr>
-                      <a:r>
-                        <a:rPr sz="800">
-                          <a:solidFill>
-                            <a:srgbClr val="000000"/>
-                          </a:solidFill>
-                          <a:latin typeface="Arial"/>
-                        </a:rPr>
-                        <a:t>1100</a:t>
-                      </a:r>
-                    </a:p>
-                  </a:txBody>
-                  <a:tcPr>
-                    <a:noFill/>
-                    <a:lnL w="12700">
-                      <a:solidFill>
-                        <a:srgbClr val="000"/>
-                      </a:solidFill>
-                      <a:prstDash val="solid"/>
-                      <a:round/>
-                      <a:headEnd type="none" w="med" len="med"/>
-                      <a:tailEnd type="none" w="med" len="med"/>
-                    </a:lnL>
-                    <a:lnR w="12700">
-                      <a:solidFill>
-                        <a:srgbClr val="000"/>
-                      </a:solidFill>
-                      <a:prstDash val="solid"/>
-                      <a:round/>
-                      <a:headEnd type="none" w="med" len="med"/>
-                      <a:tailEnd type="none" w="med" len="med"/>
-                    </a:lnR>
-                    <a:lnT w="12700">
-                      <a:solidFill>
-                        <a:srgbClr val="000"/>
-                      </a:solidFill>
-                      <a:prstDash val="solid"/>
-                      <a:round/>
-                      <a:headEnd type="none" w="med" len="med"/>
-                      <a:tailEnd type="none" w="med" len="med"/>
-                    </a:lnT>
-                    <a:lnB w="12700">
-                      <a:solidFill>
-                        <a:srgbClr val="000"/>
-                      </a:solidFill>
-                      <a:prstDash val="solid"/>
-                      <a:round/>
-                      <a:headEnd type="none" w="med" len="med"/>
-                      <a:tailEnd type="none" w="med" len="med"/>
-                    </a:lnB>
-                  </a:tcPr>
-                </a:tc>
-                <a:tc>
-                  <a:txBody>
-                    <a:bodyPr lIns="76200" rIns="76200" tIns="76200" bIns="76200"/>
-                    <a:lstStyle/>
-                    <a:p>
-                      <a:pPr>
-                        <a:lnSpc>
-                          <a:spcPct val="120000"/>
-                        </a:lnSpc>
-                      </a:pPr>
-                      <a:r>
-                        <a:rPr sz="800">
-                          <a:solidFill>
-                            <a:srgbClr val="000000"/>
-                          </a:solidFill>
-                          <a:latin typeface="Arial"/>
-                        </a:rPr>
-                        <a:t>8.5</a:t>
-                      </a:r>
-                    </a:p>
-                  </a:txBody>
-                  <a:tcPr>
-                    <a:noFill/>
-                    <a:lnL w="12700">
-                      <a:solidFill>
-                        <a:srgbClr val="000"/>
-                      </a:solidFill>
-                      <a:prstDash val="solid"/>
-                      <a:round/>
-                      <a:headEnd type="none" w="med" len="med"/>
-                      <a:tailEnd type="none" w="med" len="med"/>
-                    </a:lnL>
-                    <a:lnR w="12700">
-                      <a:solidFill>
-                        <a:srgbClr val="000"/>
-                      </a:solidFill>
-                      <a:prstDash val="solid"/>
-                      <a:round/>
-                      <a:headEnd type="none" w="med" len="med"/>
-                      <a:tailEnd type="none" w="med" len="med"/>
-                    </a:lnR>
-                    <a:lnT w="12700">
-                      <a:solidFill>
-                        <a:srgbClr val="000"/>
-                      </a:solidFill>
-                      <a:prstDash val="solid"/>
-                      <a:round/>
-                      <a:headEnd type="none" w="med" len="med"/>
-                      <a:tailEnd type="none" w="med" len="med"/>
-                    </a:lnT>
-                    <a:lnB w="12700">
-                      <a:solidFill>
-                        <a:srgbClr val="000"/>
-                      </a:solidFill>
-                      <a:prstDash val="solid"/>
-                      <a:round/>
-                      <a:headEnd type="none" w="med" len="med"/>
-                      <a:tailEnd type="none" w="med" len="med"/>
-                    </a:lnB>
-                  </a:tcPr>
-                </a:tc>
-                <a:tc>
-                  <a:txBody>
-                    <a:bodyPr lIns="76200" rIns="76200" tIns="76200" bIns="76200"/>
-                    <a:lstStyle/>
-                    <a:p>
-                      <a:pPr>
-                        <a:lnSpc>
-                          <a:spcPct val="120000"/>
-                        </a:lnSpc>
-                      </a:pPr>
-                      <a:r>
-                        <a:rPr sz="800">
-                          <a:solidFill>
-                            <a:srgbClr val="000000"/>
-                          </a:solidFill>
-                          <a:latin typeface="Arial"/>
-                        </a:rPr>
-                        <a:t>91%</a:t>
+                        <a:t>3.8</a:t>
                       </a:r>
                     </a:p>
                   </a:txBody>
@@ -7961,7 +7938,68 @@
                           </a:solidFill>
                           <a:latin typeface="Arial"/>
                         </a:rPr>
-                        <a:t>750</a:t>
+                        <a:t>800000</a:t>
+                      </a:r>
+                    </a:p>
+                  </a:txBody>
+                  <a:tcPr>
+                    <a:noFill/>
+                    <a:lnL w="12700">
+                      <a:solidFill>
+                        <a:srgbClr val="000"/>
+                      </a:solidFill>
+                      <a:prstDash val="solid"/>
+                      <a:round/>
+                      <a:headEnd type="none" w="med" len="med"/>
+                      <a:tailEnd type="none" w="med" len="med"/>
+                    </a:lnL>
+                    <a:lnR w="12700">
+                      <a:solidFill>
+                        <a:srgbClr val="000"/>
+                      </a:solidFill>
+                      <a:prstDash val="solid"/>
+                      <a:round/>
+                      <a:headEnd type="none" w="med" len="med"/>
+                      <a:tailEnd type="none" w="med" len="med"/>
+                    </a:lnR>
+                    <a:lnT w="12700">
+                      <a:solidFill>
+                        <a:srgbClr val="000"/>
+                      </a:solidFill>
+                      <a:prstDash val="solid"/>
+                      <a:round/>
+                      <a:headEnd type="none" w="med" len="med"/>
+                      <a:tailEnd type="none" w="med" len="med"/>
+                    </a:lnT>
+                    <a:lnB w="12700">
+                      <a:solidFill>
+                        <a:srgbClr val="000"/>
+                      </a:solidFill>
+                      <a:prstDash val="solid"/>
+                      <a:round/>
+                      <a:headEnd type="none" w="med" len="med"/>
+                      <a:tailEnd type="none" w="med" len="med"/>
+                    </a:lnB>
+                  </a:tcPr>
+                </a:tc>
+                <a:tc>
+                  <a:txBody>
+                    <a:bodyPr lIns="76200" rIns="76200" tIns="76200" bIns="76200"/>
+                    <a:lstStyle/>
+                    <a:p>
+                      <a:pPr>
+                        <a:lnSpc>
+                          <a:spcPct val="120000"/>
+                        </a:lnSpc>
+                      </a:pPr>
+                      <a:r>
+                        <a:rPr u="sng" sz="800">
+                          <a:solidFill>
+                            <a:srgbClr val="FF0000"/>
+                          </a:solidFill>
+                          <a:latin typeface="Arial"/>
+                        </a:rPr>
+                        <a:t>6.7</a:t>
                       </a:r>
                     </a:p>
                   </a:txBody>
@@ -8022,68 +8060,7 @@
                           </a:solidFill>
                           <a:latin typeface="Arial"/>
                         </a:rPr>
-                        <a:t>7.9</a:t>
-                      </a:r>
-                    </a:p>
-                  </a:txBody>
-                  <a:tcPr>
-                    <a:noFill/>
-                    <a:lnL w="12700">
-                      <a:solidFill>
-                        <a:srgbClr val="000"/>
-                      </a:solidFill>
-                      <a:prstDash val="solid"/>
-                      <a:round/>
-                      <a:headEnd type="none" w="med" len="med"/>
-                      <a:tailEnd type="none" w="med" len="med"/>
-                    </a:lnL>
-                    <a:lnR w="12700">
-                      <a:solidFill>
-                        <a:srgbClr val="000"/>
-                      </a:solidFill>
-                      <a:prstDash val="solid"/>
-                      <a:round/>
-                      <a:headEnd type="none" w="med" len="med"/>
-                      <a:tailEnd type="none" w="med" len="med"/>
-                    </a:lnR>
-                    <a:lnT w="12700">
-                      <a:solidFill>
-                        <a:srgbClr val="000"/>
-                      </a:solidFill>
-                      <a:prstDash val="solid"/>
-                      <a:round/>
-                      <a:headEnd type="none" w="med" len="med"/>
-                      <a:tailEnd type="none" w="med" len="med"/>
-                    </a:lnT>
-                    <a:lnB w="12700">
-                      <a:solidFill>
-                        <a:srgbClr val="000"/>
-                      </a:solidFill>
-                      <a:prstDash val="solid"/>
-                      <a:round/>
-                      <a:headEnd type="none" w="med" len="med"/>
-                      <a:tailEnd type="none" w="med" len="med"/>
-                    </a:lnB>
-                  </a:tcPr>
-                </a:tc>
-                <a:tc>
-                  <a:txBody>
-                    <a:bodyPr lIns="76200" rIns="76200" tIns="76200" bIns="76200"/>
-                    <a:lstStyle/>
-                    <a:p>
-                      <a:pPr>
-                        <a:lnSpc>
-                          <a:spcPct val="120000"/>
-                        </a:lnSpc>
-                      </a:pPr>
-                      <a:r>
-                        <a:rPr sz="800">
-                          <a:solidFill>
-                            <a:srgbClr val="000000"/>
-                          </a:solidFill>
-                          <a:latin typeface="Arial"/>
-                        </a:rPr>
-                        <a:t>86%</a:t>
+                        <a:t>3.6</a:t>
                       </a:r>
                     </a:p>
                   </a:txBody>
@@ -8134,13 +8111,13 @@
       </p:graphicFrame>
       <p:sp>
         <p:nvSpPr>
-          <p:cNvPr id="5" name="TextBox 4"/>
+          <p:cNvPr id="6" name="TextBox 5"/>
           <p:cNvSpPr txBox="1"/>
           <p:nvPr/>
         </p:nvSpPr>
         <p:spPr>
           <a:xfrm>
-            <a:off x="200025" y="2114550"/>
+            <a:off x="200025" y="2505074"/>
             <a:ext cx="8943975" cy="274320"/>
           </a:xfrm>
           <a:prstGeom prst="rect">
@@ -8166,26 +8143,26 @@
               </a:spcAft>
             </a:pPr>
             <a:r>
-              <a:rPr b="1" sz="1000">
-                <a:solidFill>
-                  <a:srgbClr val="000000"/>
-                </a:solidFill>
-                <a:latin typeface="Arial"/>
-              </a:rPr>
-              <a:t>Key Findings:</a:t>
-            </a:r>
-          </a:p>
-        </p:txBody>
-      </p:sp>
-      <p:sp>
-        <p:nvSpPr>
-          <p:cNvPr id="6" name="TextBox 5"/>
+              <a:rPr sz="1100" b="1">
+                <a:solidFill>
+                  <a:srgbClr val="000000"/>
+                </a:solidFill>
+                <a:latin typeface="Arial"/>
+              </a:rPr>
+              <a:t>Regional Insights</a:t>
+            </a:r>
+          </a:p>
+        </p:txBody>
+      </p:sp>
+      <p:sp>
+        <p:nvSpPr>
+          <p:cNvPr id="7" name="TextBox 6"/>
           <p:cNvSpPr txBox="1"/>
           <p:nvPr/>
         </p:nvSpPr>
         <p:spPr>
           <a:xfrm>
-            <a:off x="200025" y="2343150"/>
+            <a:off x="200025" y="2771775"/>
             <a:ext cx="8943975" cy="541972"/>
           </a:xfrm>
           <a:prstGeom prst="rect">
@@ -8217,13 +8194,22 @@
               <a:t>• </a:t>
             </a:r>
             <a:r>
+              <a:rPr b="1" sz="1000">
+                <a:solidFill>
+                  <a:srgbClr val="000000"/>
+                </a:solidFill>
+                <a:latin typeface="Arial"/>
+              </a:rPr>
+              <a:t>North</a:t>
+            </a:r>
+            <a:r>
               <a:rPr sz="1000">
                 <a:solidFill>
                   <a:srgbClr val="000000"/>
                 </a:solidFill>
                 <a:latin typeface="Arial"/>
               </a:rPr>
-              <a:t>Strong correlation between satisfaction and loyalty</a:t>
+              <a:t> leads in revenue with $1.20M</a:t>
             </a:r>
           </a:p>
           <a:p>
@@ -8238,13 +8224,22 @@
               <a:t>• </a:t>
             </a:r>
             <a:r>
+              <a:rPr b="1" sz="1000">
+                <a:solidFill>
+                  <a:srgbClr val="000000"/>
+                </a:solidFill>
+                <a:latin typeface="Arial"/>
+              </a:rPr>
+              <a:t>East</a:t>
+            </a:r>
+            <a:r>
               <a:rPr sz="1000">
                 <a:solidFill>
                   <a:srgbClr val="000000"/>
                 </a:solidFill>
                 <a:latin typeface="Arial"/>
               </a:rPr>
-              <a:t>North region leads in customer retention</a:t>
+              <a:t> shows highest growth at 15.2%</a:t>
             </a:r>
           </a:p>
           <a:p>
@@ -8265,11 +8260,151 @@
                 </a:solidFill>
                 <a:latin typeface="Arial"/>
               </a:rPr>
-              <a:t>West region shows highest growth potential</a:t>
-            </a:r>
-          </a:p>
-        </p:txBody>
-      </p:sp>
+              <a:t>West region requires attention for growth improvement</a:t>
+            </a:r>
+          </a:p>
+        </p:txBody>
+      </p:sp>
+    </p:spTree>
+  </p:cSld>
+  <p:clrMapOvr>
+    <a:masterClrMapping/>
+  </p:clrMapOvr>
+</p:sld>
+</file>
+
+<file path=ppt/slides/slide8.xml><?xml version="1.0" encoding="utf-8"?>
+<p:sld xmlns:a="http://schemas.openxmlformats.org/drawingml/2006/main" xmlns:p="http://schemas.openxmlformats.org/presentationml/2006/main" xmlns:r="http://schemas.openxmlformats.org/officeDocument/2006/relationships">
+  <p:cSld>
+    <p:bg>
+      <p:bgPr>
+        <a:solidFill>
+          <a:srgbClr val="FFFFFF"/>
+        </a:solidFill>
+        <a:effectLst/>
+      </p:bgPr>
+    </p:bg>
+    <p:spTree>
+      <p:nvGrpSpPr>
+        <p:cNvPr id="1" name=""/>
+        <p:cNvGrpSpPr/>
+        <p:nvPr/>
+      </p:nvGrpSpPr>
+      <p:grpSpPr/>
+      <p:sp>
+        <p:nvSpPr>
+          <p:cNvPr id="2" name="TextBox 1"/>
+          <p:cNvSpPr txBox="1"/>
+          <p:nvPr/>
+        </p:nvSpPr>
+        <p:spPr>
+          <a:xfrm>
+            <a:off x="200025" y="180975"/>
+            <a:ext cx="8943975" cy="390525"/>
+          </a:xfrm>
+          <a:prstGeom prst="rect">
+            <a:avLst/>
+          </a:prstGeom>
+          <a:noFill/>
+        </p:spPr>
+        <p:txBody>
+          <a:bodyPr wrap="square" lIns="0" rIns="0" tIns="0" bIns="0">
+            <a:spAutoFit/>
+          </a:bodyPr>
+          <a:lstStyle/>
+          <a:p>
+            <a:pPr algn="l">
+              <a:lnSpc>
+                <a:spcPct val="120000"/>
+              </a:lnSpc>
+              <a:spcBef>
+                <a:spcPts val="0"/>
+              </a:spcBef>
+              <a:spcAft>
+                <a:spcPts val="0"/>
+              </a:spcAft>
+            </a:pPr>
+            <a:r>
+              <a:rPr sz="1600" b="1">
+                <a:solidFill>
+                  <a:srgbClr val="000000"/>
+                </a:solidFill>
+                <a:latin typeface="Arial"/>
+              </a:rPr>
+              <a:t>Growth Trajectory</a:t>
+            </a:r>
+          </a:p>
+        </p:txBody>
+      </p:sp>
+      <p:sp>
+        <p:nvSpPr>
+          <p:cNvPr id="3" name="TextBox 2"/>
+          <p:cNvSpPr txBox="1"/>
+          <p:nvPr/>
+        </p:nvSpPr>
+        <p:spPr>
+          <a:xfrm>
+            <a:off x="200025" y="571500"/>
+            <a:ext cx="8943975" cy="304800"/>
+          </a:xfrm>
+          <a:prstGeom prst="rect">
+            <a:avLst/>
+          </a:prstGeom>
+          <a:noFill/>
+        </p:spPr>
+        <p:txBody>
+          <a:bodyPr wrap="square" lIns="0" rIns="0" tIns="0" bIns="0">
+            <a:spAutoFit/>
+          </a:bodyPr>
+          <a:lstStyle/>
+          <a:p>
+            <a:pPr algn="l">
+              <a:lnSpc>
+                <a:spcPct val="120000"/>
+              </a:lnSpc>
+              <a:spcBef>
+                <a:spcPts val="0"/>
+              </a:spcBef>
+              <a:spcAft>
+                <a:spcPts val="0"/>
+              </a:spcAft>
+            </a:pPr>
+            <a:r>
+              <a:rPr sz="1300" b="1">
+                <a:solidFill>
+                  <a:srgbClr val="000000"/>
+                </a:solidFill>
+                <a:latin typeface="Arial"/>
+              </a:rPr>
+              <a:t>Monthly Growth Analysis</a:t>
+            </a:r>
+          </a:p>
+        </p:txBody>
+      </p:sp>
+      <p:pic>
+        <p:nvPicPr>
+          <p:cNvPr id="4" name="Picture 3" descr="slide_2781d4f0_create_growth_trend.png"/>
+          <p:cNvPicPr>
+            <a:picLocks noChangeAspect="1"/>
+          </p:cNvPicPr>
+          <p:nvPr/>
+        </p:nvPicPr>
+        <p:blipFill>
+          <a:blip r:embed="rId2"/>
+          <a:stretch>
+            <a:fillRect/>
+          </a:stretch>
+        </p:blipFill>
+        <p:spPr>
+          <a:xfrm>
+            <a:off x="200025" y="876299"/>
+            <a:ext cx="6562725" cy="3914775"/>
+          </a:xfrm>
+          <a:prstGeom prst="rect">
+            <a:avLst/>
+          </a:prstGeom>
+        </p:spPr>
+      </p:pic>
     </p:spTree>
   </p:cSld>
   <p:clrMapOvr>
@@ -8305,7 +8440,7 @@
         <p:spPr>
           <a:xfrm>
             <a:off x="200025" y="180975"/>
-            <a:ext cx="8943975" cy="390525"/>
+            <a:ext cx="8943975" cy="274320"/>
           </a:xfrm>
           <a:prstGeom prst="rect">
             <a:avLst/>
@@ -8330,13 +8465,13 @@
               </a:spcAft>
             </a:pPr>
             <a:r>
-              <a:rPr sz="1600" b="1">
-                <a:solidFill>
-                  <a:srgbClr val="000000"/>
-                </a:solidFill>
-                <a:latin typeface="Arial"/>
-              </a:rPr>
-              <a:t>Market Share Analysis</a:t>
+              <a:rPr sz="1100" b="1">
+                <a:solidFill>
+                  <a:srgbClr val="000000"/>
+                </a:solidFill>
+                <a:latin typeface="Arial"/>
+              </a:rPr>
+              <a:t>Growth Drivers</a:t>
             </a:r>
           </a:p>
         </p:txBody>
@@ -8349,8 +8484,128 @@
         </p:nvSpPr>
         <p:spPr>
           <a:xfrm>
-            <a:off x="200025" y="571500"/>
-            <a:ext cx="8943975" cy="304800"/>
+            <a:off x="200025" y="438149"/>
+            <a:ext cx="8943975" cy="541972"/>
+          </a:xfrm>
+          <a:prstGeom prst="rect">
+            <a:avLst/>
+          </a:prstGeom>
+          <a:noFill/>
+        </p:spPr>
+        <p:txBody>
+          <a:bodyPr wrap="square" lIns="0" rIns="0" tIns="0" bIns="0">
+            <a:spAutoFit/>
+          </a:bodyPr>
+          <a:lstStyle/>
+          <a:p>
+            <a:pPr algn="l">
+              <a:spcBef>
+                <a:spcPts val="0"/>
+              </a:spcBef>
+              <a:spcAft>
+                <a:spcPts val="0"/>
+              </a:spcAft>
+            </a:pPr>
+            <a:r>
+              <a:rPr sz="1000">
+                <a:solidFill>
+                  <a:srgbClr val="000000"/>
+                </a:solidFill>
+                <a:latin typeface="Arial"/>
+              </a:rPr>
+              <a:t>• </a:t>
+            </a:r>
+            <a:r>
+              <a:rPr b="1" sz="1000">
+                <a:solidFill>
+                  <a:srgbClr val="000000"/>
+                </a:solidFill>
+                <a:latin typeface="Arial"/>
+              </a:rPr>
+              <a:t>Product Innovation</a:t>
+            </a:r>
+            <a:r>
+              <a:rPr sz="1000">
+                <a:solidFill>
+                  <a:srgbClr val="000000"/>
+                </a:solidFill>
+                <a:latin typeface="Arial"/>
+              </a:rPr>
+              <a:t>: 32.0% impact</a:t>
+            </a:r>
+          </a:p>
+          <a:p>
+            <a:pPr algn="l"/>
+            <a:r>
+              <a:rPr sz="1000">
+                <a:solidFill>
+                  <a:srgbClr val="000000"/>
+                </a:solidFill>
+                <a:latin typeface="Arial"/>
+              </a:rPr>
+              <a:t>• </a:t>
+            </a:r>
+            <a:r>
+              <a:rPr b="1" sz="1000">
+                <a:solidFill>
+                  <a:srgbClr val="000000"/>
+                </a:solidFill>
+                <a:latin typeface="Arial"/>
+              </a:rPr>
+              <a:t>Market Expansion</a:t>
+            </a:r>
+            <a:r>
+              <a:rPr sz="1000">
+                <a:solidFill>
+                  <a:srgbClr val="000000"/>
+                </a:solidFill>
+                <a:latin typeface="Arial"/>
+              </a:rPr>
+              <a:t>: 28.0% contribution</a:t>
+            </a:r>
+          </a:p>
+          <a:p>
+            <a:pPr algn="l"/>
+            <a:r>
+              <a:rPr sz="1000">
+                <a:solidFill>
+                  <a:srgbClr val="000000"/>
+                </a:solidFill>
+                <a:latin typeface="Arial"/>
+              </a:rPr>
+              <a:t>• </a:t>
+            </a:r>
+            <a:r>
+              <a:rPr b="1" sz="1000">
+                <a:solidFill>
+                  <a:srgbClr val="000000"/>
+                </a:solidFill>
+                <a:latin typeface="Arial"/>
+              </a:rPr>
+              <a:t>Customer Acquisition</a:t>
+            </a:r>
+            <a:r>
+              <a:rPr sz="1000">
+                <a:solidFill>
+                  <a:srgbClr val="000000"/>
+                </a:solidFill>
+                <a:latin typeface="Arial"/>
+              </a:rPr>
+              <a:t>: 15.0% new customers</a:t>
+            </a:r>
+          </a:p>
+        </p:txBody>
+      </p:sp>
+      <p:sp>
+        <p:nvSpPr>
+          <p:cNvPr id="4" name="TextBox 3"/>
+          <p:cNvSpPr txBox="1"/>
+          <p:nvPr/>
+        </p:nvSpPr>
+        <p:spPr>
+          <a:xfrm>
+            <a:off x="200025" y="980122"/>
+            <a:ext cx="8943975" cy="274320"/>
           </a:xfrm>
           <a:prstGeom prst="rect">
             <a:avLst/>
@@ -8375,13 +8630,13 @@
               </a:spcAft>
             </a:pPr>
             <a:r>
-              <a:rPr sz="1300" b="1">
-                <a:solidFill>
-                  <a:srgbClr val="000000"/>
-                </a:solidFill>
-                <a:latin typeface="Arial"/>
-              </a:rPr>
-              <a:t>Product Portfolio Performance</a:t>
+              <a:rPr b="1" i="1" sz="1000">
+                <a:solidFill>
+                  <a:srgbClr val="009900"/>
+                </a:solidFill>
+                <a:latin typeface="Arial"/>
+              </a:rPr>
+              <a:t>Sustained growth expected into next quarter</a:t>
             </a:r>
           </a:p>
         </p:txBody>

--- a/output/notebook_example_default.pptx
+++ b/output/notebook_example_default.pptx
@@ -3405,7 +3405,7 @@
       </p:sp>
       <p:pic>
         <p:nvPicPr>
-          <p:cNvPr id="4" name="Picture 3" descr="slide_bc8113d8_create_sales_chart.png"/>
+          <p:cNvPr id="4" name="Picture 3" descr="slide_b2380a51_create_sales_chart.png"/>
           <p:cNvPicPr>
             <a:picLocks noChangeAspect="1"/>
           </p:cNvPicPr>
@@ -6154,7 +6154,7 @@
       </p:sp>
       <p:pic>
         <p:nvPicPr>
-          <p:cNvPr id="4" name="Picture 3" descr="slide_bc8113d8_create_sales_chart.png"/>
+          <p:cNvPr id="4" name="Picture 3" descr="slide_b2380a51_create_sales_chart.png"/>
           <p:cNvPicPr>
             <a:picLocks noChangeAspect="1"/>
           </p:cNvPicPr>
@@ -6476,7 +6476,7 @@
       </p:sp>
       <p:pic>
         <p:nvPicPr>
-          <p:cNvPr id="4" name="Picture 3" descr="slide_af09c7df_create_market_share.png"/>
+          <p:cNvPr id="4" name="Picture 3" descr="slide_232aaf6b_create_market_share.png"/>
           <p:cNvPicPr>
             <a:picLocks noChangeAspect="1"/>
           </p:cNvPicPr>
@@ -8383,7 +8383,7 @@
       </p:sp>
       <p:pic>
         <p:nvPicPr>
-          <p:cNvPr id="4" name="Picture 3" descr="slide_2781d4f0_create_growth_trend.png"/>
+          <p:cNvPr id="4" name="Picture 3" descr="slide_00cb9dae_create_growth_trend.png"/>
           <p:cNvPicPr>
             <a:picLocks noChangeAspect="1"/>
           </p:cNvPicPr>

--- a/output/notebook_example_default.pptx
+++ b/output/notebook_example_default.pptx
@@ -21,6 +21,7 @@
     <p:sldId id="269" r:id="rId20"/>
     <p:sldId id="270" r:id="rId21"/>
     <p:sldId id="271" r:id="rId22"/>
+    <p:sldId id="272" r:id="rId24"/>
   </p:sldIdLst>
   <p:sldSz cx="9144000" cy="5143500" type="screen4x3"/>
   <p:notesSz cx="6858000" cy="9144000"/>
@@ -120,6 +121,578 @@
     </a:lvl9pPr>
   </p:defaultTextStyle>
 </p:presentation>
+</file>
+
+<file path=ppt/notesMasters/notesMaster1.xml><?xml version="1.0" encoding="utf-8"?>
+<p:notesMaster xmlns:a="http://schemas.openxmlformats.org/drawingml/2006/main" xmlns:p="http://schemas.openxmlformats.org/presentationml/2006/main" xmlns:r="http://schemas.openxmlformats.org/officeDocument/2006/relationships">
+  <p:cSld>
+    <p:bg>
+      <p:bgRef idx="1001">
+        <a:schemeClr val="bg1"/>
+      </p:bgRef>
+    </p:bg>
+    <p:spTree>
+      <p:nvGrpSpPr>
+        <p:cNvPr id="1" name=""/>
+        <p:cNvGrpSpPr/>
+        <p:nvPr/>
+      </p:nvGrpSpPr>
+      <p:grpSpPr>
+        <a:xfrm>
+          <a:off x="0" y="0"/>
+          <a:ext cx="0" cy="0"/>
+          <a:chOff x="0" y="0"/>
+          <a:chExt cx="0" cy="0"/>
+        </a:xfrm>
+      </p:grpSpPr>
+      <p:sp>
+        <p:nvSpPr>
+          <p:cNvPr id="2" name="Header Placeholder 1"/>
+          <p:cNvSpPr>
+            <a:spLocks noGrp="1"/>
+          </p:cNvSpPr>
+          <p:nvPr>
+            <p:ph type="hdr" sz="quarter"/>
+          </p:nvPr>
+        </p:nvSpPr>
+        <p:spPr>
+          <a:xfrm>
+            <a:off x="0" y="0"/>
+            <a:ext cx="2971800" cy="457200"/>
+          </a:xfrm>
+          <a:prstGeom prst="rect">
+            <a:avLst/>
+          </a:prstGeom>
+        </p:spPr>
+        <p:txBody>
+          <a:bodyPr vert="horz" lIns="91440" tIns="45720" rIns="91440" bIns="45720" rtlCol="0"/>
+          <a:lstStyle>
+            <a:lvl1pPr algn="l">
+              <a:defRPr sz="1200"/>
+            </a:lvl1pPr>
+          </a:lstStyle>
+          <a:p>
+            <a:endParaRPr lang="en-US"/>
+          </a:p>
+        </p:txBody>
+      </p:sp>
+      <p:sp>
+        <p:nvSpPr>
+          <p:cNvPr id="3" name="Date Placeholder 2"/>
+          <p:cNvSpPr>
+            <a:spLocks noGrp="1"/>
+          </p:cNvSpPr>
+          <p:nvPr>
+            <p:ph type="dt" idx="1"/>
+          </p:nvPr>
+        </p:nvSpPr>
+        <p:spPr>
+          <a:xfrm>
+            <a:off x="3884613" y="0"/>
+            <a:ext cx="2971800" cy="457200"/>
+          </a:xfrm>
+          <a:prstGeom prst="rect">
+            <a:avLst/>
+          </a:prstGeom>
+        </p:spPr>
+        <p:txBody>
+          <a:bodyPr vert="horz" lIns="91440" tIns="45720" rIns="91440" bIns="45720" rtlCol="0"/>
+          <a:lstStyle>
+            <a:lvl1pPr algn="r">
+              <a:defRPr sz="1200"/>
+            </a:lvl1pPr>
+          </a:lstStyle>
+          <a:p>
+            <a:fld id="{0F89C1C7-3DCD-1040-A9CF-14679D8B5DDD}" type="datetimeFigureOut">
+              <a:rPr lang="en-US" smtClean="0"/>
+              <a:t>10/17/16</a:t>
+            </a:fld>
+            <a:endParaRPr lang="en-US"/>
+          </a:p>
+        </p:txBody>
+      </p:sp>
+      <p:sp>
+        <p:nvSpPr>
+          <p:cNvPr id="4" name="Slide Image Placeholder 3"/>
+          <p:cNvSpPr>
+            <a:spLocks noGrp="1" noRot="1" noChangeAspect="1"/>
+          </p:cNvSpPr>
+          <p:nvPr>
+            <p:ph type="sldImg" idx="2"/>
+          </p:nvPr>
+        </p:nvSpPr>
+        <p:spPr>
+          <a:xfrm>
+            <a:off x="1143000" y="685800"/>
+            <a:ext cx="4572000" cy="3429000"/>
+          </a:xfrm>
+          <a:prstGeom prst="rect">
+            <a:avLst/>
+          </a:prstGeom>
+          <a:noFill/>
+          <a:ln w="12700">
+            <a:solidFill>
+              <a:prstClr val="black"/>
+            </a:solidFill>
+          </a:ln>
+        </p:spPr>
+        <p:txBody>
+          <a:bodyPr vert="horz" lIns="91440" tIns="45720" rIns="91440" bIns="45720" rtlCol="0" anchor="ctr"/>
+          <a:lstStyle/>
+          <a:p>
+            <a:endParaRPr lang="en-US"/>
+          </a:p>
+        </p:txBody>
+      </p:sp>
+      <p:sp>
+        <p:nvSpPr>
+          <p:cNvPr id="5" name="Notes Placeholder 4"/>
+          <p:cNvSpPr>
+            <a:spLocks noGrp="1"/>
+          </p:cNvSpPr>
+          <p:nvPr>
+            <p:ph type="body" sz="quarter" idx="3"/>
+          </p:nvPr>
+        </p:nvSpPr>
+        <p:spPr>
+          <a:xfrm>
+            <a:off x="685800" y="4343400"/>
+            <a:ext cx="5486400" cy="4114800"/>
+          </a:xfrm>
+          <a:prstGeom prst="rect">
+            <a:avLst/>
+          </a:prstGeom>
+        </p:spPr>
+        <p:txBody>
+          <a:bodyPr vert="horz" lIns="91440" tIns="45720" rIns="91440" bIns="45720" rtlCol="0"/>
+          <a:lstStyle/>
+          <a:p>
+            <a:pPr lvl="0"/>
+            <a:r>
+              <a:rPr lang="en-US" smtClean="0"/>
+              <a:t>Click to edit Master text styles</a:t>
+            </a:r>
+          </a:p>
+          <a:p>
+            <a:pPr lvl="1"/>
+            <a:r>
+              <a:rPr lang="en-US" smtClean="0"/>
+              <a:t>Second level</a:t>
+            </a:r>
+          </a:p>
+          <a:p>
+            <a:pPr lvl="2"/>
+            <a:r>
+              <a:rPr lang="en-US" smtClean="0"/>
+              <a:t>Third level</a:t>
+            </a:r>
+          </a:p>
+          <a:p>
+            <a:pPr lvl="3"/>
+            <a:r>
+              <a:rPr lang="en-US" smtClean="0"/>
+              <a:t>Fourth level</a:t>
+            </a:r>
+          </a:p>
+          <a:p>
+            <a:pPr lvl="4"/>
+            <a:r>
+              <a:rPr lang="en-US" smtClean="0"/>
+              <a:t>Fifth level</a:t>
+            </a:r>
+            <a:endParaRPr lang="en-US"/>
+          </a:p>
+        </p:txBody>
+      </p:sp>
+      <p:sp>
+        <p:nvSpPr>
+          <p:cNvPr id="6" name="Footer Placeholder 5"/>
+          <p:cNvSpPr>
+            <a:spLocks noGrp="1"/>
+          </p:cNvSpPr>
+          <p:nvPr>
+            <p:ph type="ftr" sz="quarter" idx="4"/>
+          </p:nvPr>
+        </p:nvSpPr>
+        <p:spPr>
+          <a:xfrm>
+            <a:off x="0" y="8685213"/>
+            <a:ext cx="2971800" cy="457200"/>
+          </a:xfrm>
+          <a:prstGeom prst="rect">
+            <a:avLst/>
+          </a:prstGeom>
+        </p:spPr>
+        <p:txBody>
+          <a:bodyPr vert="horz" lIns="91440" tIns="45720" rIns="91440" bIns="45720" rtlCol="0" anchor="b"/>
+          <a:lstStyle>
+            <a:lvl1pPr algn="l">
+              <a:defRPr sz="1200"/>
+            </a:lvl1pPr>
+          </a:lstStyle>
+          <a:p>
+            <a:endParaRPr lang="en-US"/>
+          </a:p>
+        </p:txBody>
+      </p:sp>
+      <p:sp>
+        <p:nvSpPr>
+          <p:cNvPr id="7" name="Slide Number Placeholder 6"/>
+          <p:cNvSpPr>
+            <a:spLocks noGrp="1"/>
+          </p:cNvSpPr>
+          <p:nvPr>
+            <p:ph type="sldNum" sz="quarter" idx="5"/>
+          </p:nvPr>
+        </p:nvSpPr>
+        <p:spPr>
+          <a:xfrm>
+            <a:off x="3884613" y="8685213"/>
+            <a:ext cx="2971800" cy="457200"/>
+          </a:xfrm>
+          <a:prstGeom prst="rect">
+            <a:avLst/>
+          </a:prstGeom>
+        </p:spPr>
+        <p:txBody>
+          <a:bodyPr vert="horz" lIns="91440" tIns="45720" rIns="91440" bIns="45720" rtlCol="0" anchor="b"/>
+          <a:lstStyle>
+            <a:lvl1pPr algn="r">
+              <a:defRPr sz="1200"/>
+            </a:lvl1pPr>
+          </a:lstStyle>
+          <a:p>
+            <a:fld id="{BB5E49A5-4136-284D-997B-48E1D791AD67}" type="slidenum">
+              <a:rPr lang="en-US" smtClean="0"/>
+              <a:t>‹#›</a:t>
+            </a:fld>
+            <a:endParaRPr lang="en-US"/>
+          </a:p>
+        </p:txBody>
+      </p:sp>
+    </p:spTree>
+    <p:extLst>
+      <p:ext uri="{BB962C8B-B14F-4D97-AF65-F5344CB8AC3E}">
+        <p14:creationId xmlns:p14="http://schemas.microsoft.com/office/powerpoint/2010/main" val="2623252185"/>
+      </p:ext>
+    </p:extLst>
+  </p:cSld>
+  <p:clrMap bg1="lt1" tx1="dk1" bg2="lt2" tx2="dk2" accent1="accent1" accent2="accent2" accent3="accent3" accent4="accent4" accent5="accent5" accent6="accent6" hlink="hlink" folHlink="folHlink"/>
+  <p:notesStyle>
+    <a:lvl1pPr marL="0" algn="l" defTabSz="457200" rtl="0" eaLnBrk="1" latinLnBrk="0" hangingPunct="1">
+      <a:defRPr sz="1200" kern="1200">
+        <a:solidFill>
+          <a:schemeClr val="tx1"/>
+        </a:solidFill>
+        <a:latin typeface="+mn-lt"/>
+        <a:ea typeface="+mn-ea"/>
+        <a:cs typeface="+mn-cs"/>
+      </a:defRPr>
+    </a:lvl1pPr>
+    <a:lvl2pPr marL="457200" algn="l" defTabSz="457200" rtl="0" eaLnBrk="1" latinLnBrk="0" hangingPunct="1">
+      <a:defRPr sz="1200" kern="1200">
+        <a:solidFill>
+          <a:schemeClr val="tx1"/>
+        </a:solidFill>
+        <a:latin typeface="+mn-lt"/>
+        <a:ea typeface="+mn-ea"/>
+        <a:cs typeface="+mn-cs"/>
+      </a:defRPr>
+    </a:lvl2pPr>
+    <a:lvl3pPr marL="914400" algn="l" defTabSz="457200" rtl="0" eaLnBrk="1" latinLnBrk="0" hangingPunct="1">
+      <a:defRPr sz="1200" kern="1200">
+        <a:solidFill>
+          <a:schemeClr val="tx1"/>
+        </a:solidFill>
+        <a:latin typeface="+mn-lt"/>
+        <a:ea typeface="+mn-ea"/>
+        <a:cs typeface="+mn-cs"/>
+      </a:defRPr>
+    </a:lvl3pPr>
+    <a:lvl4pPr marL="1371600" algn="l" defTabSz="457200" rtl="0" eaLnBrk="1" latinLnBrk="0" hangingPunct="1">
+      <a:defRPr sz="1200" kern="1200">
+        <a:solidFill>
+          <a:schemeClr val="tx1"/>
+        </a:solidFill>
+        <a:latin typeface="+mn-lt"/>
+        <a:ea typeface="+mn-ea"/>
+        <a:cs typeface="+mn-cs"/>
+      </a:defRPr>
+    </a:lvl4pPr>
+    <a:lvl5pPr marL="1828800" algn="l" defTabSz="457200" rtl="0" eaLnBrk="1" latinLnBrk="0" hangingPunct="1">
+      <a:defRPr sz="1200" kern="1200">
+        <a:solidFill>
+          <a:schemeClr val="tx1"/>
+        </a:solidFill>
+        <a:latin typeface="+mn-lt"/>
+        <a:ea typeface="+mn-ea"/>
+        <a:cs typeface="+mn-cs"/>
+      </a:defRPr>
+    </a:lvl5pPr>
+    <a:lvl6pPr marL="2286000" algn="l" defTabSz="457200" rtl="0" eaLnBrk="1" latinLnBrk="0" hangingPunct="1">
+      <a:defRPr sz="1200" kern="1200">
+        <a:solidFill>
+          <a:schemeClr val="tx1"/>
+        </a:solidFill>
+        <a:latin typeface="+mn-lt"/>
+        <a:ea typeface="+mn-ea"/>
+        <a:cs typeface="+mn-cs"/>
+      </a:defRPr>
+    </a:lvl6pPr>
+    <a:lvl7pPr marL="2743200" algn="l" defTabSz="457200" rtl="0" eaLnBrk="1" latinLnBrk="0" hangingPunct="1">
+      <a:defRPr sz="1200" kern="1200">
+        <a:solidFill>
+          <a:schemeClr val="tx1"/>
+        </a:solidFill>
+        <a:latin typeface="+mn-lt"/>
+        <a:ea typeface="+mn-ea"/>
+        <a:cs typeface="+mn-cs"/>
+      </a:defRPr>
+    </a:lvl7pPr>
+    <a:lvl8pPr marL="3200400" algn="l" defTabSz="457200" rtl="0" eaLnBrk="1" latinLnBrk="0" hangingPunct="1">
+      <a:defRPr sz="1200" kern="1200">
+        <a:solidFill>
+          <a:schemeClr val="tx1"/>
+        </a:solidFill>
+        <a:latin typeface="+mn-lt"/>
+        <a:ea typeface="+mn-ea"/>
+        <a:cs typeface="+mn-cs"/>
+      </a:defRPr>
+    </a:lvl8pPr>
+    <a:lvl9pPr marL="3657600" algn="l" defTabSz="457200" rtl="0" eaLnBrk="1" latinLnBrk="0" hangingPunct="1">
+      <a:defRPr sz="1200" kern="1200">
+        <a:solidFill>
+          <a:schemeClr val="tx1"/>
+        </a:solidFill>
+        <a:latin typeface="+mn-lt"/>
+        <a:ea typeface="+mn-ea"/>
+        <a:cs typeface="+mn-cs"/>
+      </a:defRPr>
+    </a:lvl9pPr>
+  </p:notesStyle>
+</p:notesMaster>
+</file>
+
+<file path=ppt/notesSlides/notesSlide1.xml><?xml version="1.0" encoding="utf-8"?>
+<p:notes xmlns:a="http://schemas.openxmlformats.org/drawingml/2006/main" xmlns:p="http://schemas.openxmlformats.org/presentationml/2006/main" xmlns:r="http://schemas.openxmlformats.org/officeDocument/2006/relationships">
+  <p:cSld>
+    <p:spTree>
+      <p:nvGrpSpPr>
+        <p:cNvPr id="1" name=""/>
+        <p:cNvGrpSpPr/>
+        <p:nvPr/>
+      </p:nvGrpSpPr>
+      <p:grpSpPr>
+        <a:xfrm>
+          <a:off x="0" y="0"/>
+          <a:ext cx="0" cy="0"/>
+          <a:chOff x="0" y="0"/>
+          <a:chExt cx="0" cy="0"/>
+        </a:xfrm>
+      </p:grpSpPr>
+      <p:sp>
+        <p:nvSpPr>
+          <p:cNvPr id="2" name="Slide Image Placeholder 1"/>
+          <p:cNvSpPr>
+            <a:spLocks noGrp="1"/>
+          </p:cNvSpPr>
+          <p:nvPr>
+            <p:ph type="sldImg" idx="2"/>
+          </p:nvPr>
+        </p:nvSpPr>
+        <p:spPr/>
+      </p:sp>
+      <p:sp>
+        <p:nvSpPr>
+          <p:cNvPr id="3" name="Notes Placeholder 2"/>
+          <p:cNvSpPr>
+            <a:spLocks noGrp="1"/>
+          </p:cNvSpPr>
+          <p:nvPr>
+            <p:ph type="body" idx="3" sz="quarter"/>
+          </p:nvPr>
+        </p:nvSpPr>
+        <p:spPr/>
+        <p:txBody>
+          <a:bodyPr/>
+          <a:lstStyle/>
+          <a:p>
+            <a:pPr>
+              <a:lnSpc>
+                <a:spcPct val="120000"/>
+              </a:lnSpc>
+            </a:pPr>
+            <a:r>
+              <a:rPr>
+                <a:latin typeface="Arial"/>
+              </a:rPr>
+              <a:t>This slide demonstrates comprehensive inline formatting capabilities. Key points to cover: </a:t>
+            </a:r>
+            <a:r>
+              <a:rPr b="1">
+                <a:latin typeface="Arial"/>
+              </a:rPr>
+              <a:t>bold</a:t>
+            </a:r>
+            <a:r>
+              <a:rPr>
+                <a:latin typeface="Arial"/>
+              </a:rPr>
+              <a:t>/</a:t>
+            </a:r>
+            <a:r>
+              <a:rPr i="1">
+                <a:latin typeface="Arial"/>
+              </a:rPr>
+              <a:t>italic</a:t>
+            </a:r>
+            <a:r>
+              <a:rPr>
+                <a:latin typeface="Arial"/>
+              </a:rPr>
+              <a:t> basics, </a:t>
+            </a:r>
+            <a:r>
+              <a:rPr>
+                <a:solidFill>
+                  <a:srgbClr val="FF0000"/>
+                </a:solidFill>
+                <a:latin typeface="Arial"/>
+              </a:rPr>
+              <a:t>color customization</a:t>
+            </a:r>
+            <a:r>
+              <a:rPr>
+                <a:latin typeface="Arial"/>
+              </a:rPr>
+              <a:t>, various </a:t>
+            </a:r>
+            <a:r>
+              <a:rPr>
+                <a:latin typeface="Arial"/>
+              </a:rPr>
+              <a:t>underline styles</a:t>
+            </a:r>
+            <a:r>
+              <a:rPr>
+                <a:latin typeface="Arial"/>
+              </a:rPr>
+              <a:t>, and </a:t>
+            </a:r>
+            <a:r>
+              <a:rPr b="1">
+                <a:solidFill>
+                  <a:srgbClr val="FF8C00"/>
+                </a:solidFill>
+                <a:latin typeface="Arial"/>
+              </a:rPr>
+              <a:t>highlighting</a:t>
+            </a:r>
+            <a:r>
+              <a:rPr>
+                <a:latin typeface="Arial"/>
+              </a:rPr>
+              <a:t> for emphasis.</a:t>
+            </a:r>
+          </a:p>
+        </p:txBody>
+      </p:sp>
+      <p:sp>
+        <p:nvSpPr>
+          <p:cNvPr id="4" name="Slide Number Placeholder 3"/>
+          <p:cNvSpPr>
+            <a:spLocks noGrp="1"/>
+          </p:cNvSpPr>
+          <p:nvPr>
+            <p:ph type="sldNum" idx="5" sz="quarter"/>
+          </p:nvPr>
+        </p:nvSpPr>
+        <p:spPr/>
+      </p:sp>
+    </p:spTree>
+  </p:cSld>
+  <p:clrMapOvr>
+    <a:masterClrMapping/>
+  </p:clrMapOvr>
+</p:notes>
+</file>
+
+<file path=ppt/notesSlides/notesSlide2.xml><?xml version="1.0" encoding="utf-8"?>
+<p:notes xmlns:a="http://schemas.openxmlformats.org/drawingml/2006/main" xmlns:p="http://schemas.openxmlformats.org/presentationml/2006/main" xmlns:r="http://schemas.openxmlformats.org/officeDocument/2006/relationships">
+  <p:cSld>
+    <p:spTree>
+      <p:nvGrpSpPr>
+        <p:cNvPr id="1" name=""/>
+        <p:cNvGrpSpPr/>
+        <p:nvPr/>
+      </p:nvGrpSpPr>
+      <p:grpSpPr>
+        <a:xfrm>
+          <a:off x="0" y="0"/>
+          <a:ext cx="0" cy="0"/>
+          <a:chOff x="0" y="0"/>
+          <a:chExt cx="0" cy="0"/>
+        </a:xfrm>
+      </p:grpSpPr>
+      <p:sp>
+        <p:nvSpPr>
+          <p:cNvPr id="2" name="Slide Image Placeholder 1"/>
+          <p:cNvSpPr>
+            <a:spLocks noGrp="1"/>
+          </p:cNvSpPr>
+          <p:nvPr>
+            <p:ph type="sldImg" idx="2"/>
+          </p:nvPr>
+        </p:nvSpPr>
+        <p:spPr/>
+      </p:sp>
+      <p:sp>
+        <p:nvSpPr>
+          <p:cNvPr id="3" name="Notes Placeholder 2"/>
+          <p:cNvSpPr>
+            <a:spLocks noGrp="1"/>
+          </p:cNvSpPr>
+          <p:nvPr>
+            <p:ph type="body" idx="3" sz="quarter"/>
+          </p:nvPr>
+        </p:nvSpPr>
+        <p:spPr/>
+        <p:txBody>
+          <a:bodyPr/>
+          <a:lstStyle/>
+          <a:p>
+            <a:pPr>
+              <a:lnSpc>
+                <a:spcPct val="120000"/>
+              </a:lnSpc>
+            </a:pPr>
+            <a:r>
+              <a:rPr>
+                <a:latin typeface="Arial"/>
+              </a:rPr>
+              <a:t>Template variables in speaker notes also work: 95.0% success rate. Remember to emphasize the speaker notes functionality capabilities and mention the TechCorp Solutions achievements. This slide showcases both speaker notes and template variable parsing working together seamlessly.</a:t>
+            </a:r>
+          </a:p>
+        </p:txBody>
+      </p:sp>
+      <p:sp>
+        <p:nvSpPr>
+          <p:cNvPr id="4" name="Slide Number Placeholder 3"/>
+          <p:cNvSpPr>
+            <a:spLocks noGrp="1"/>
+          </p:cNvSpPr>
+          <p:nvPr>
+            <p:ph type="sldNum" idx="5" sz="quarter"/>
+          </p:nvPr>
+        </p:nvSpPr>
+        <p:spPr/>
+      </p:sp>
+    </p:spTree>
+  </p:cSld>
+  <p:clrMapOvr>
+    <a:masterClrMapping/>
+  </p:clrMapOvr>
+</p:notes>
 </file>
 
 <file path=ppt/slideLayouts/slideLayout1.xml><?xml version="1.0" encoding="utf-8"?>
@@ -6777,7 +7350,7 @@
       </p:sp>
       <p:pic>
         <p:nvPicPr>
-          <p:cNvPr id="4" name="Picture 3" descr="slide_9b7eed21_create_growth_trend.png"/>
+          <p:cNvPr id="4" name="Picture 3" descr="slide_82d4320c_create_growth_trend.png"/>
           <p:cNvPicPr>
             <a:picLocks noChangeAspect="1"/>
           </p:cNvPicPr>
@@ -7198,7 +7771,7 @@
       </p:sp>
       <p:pic>
         <p:nvPicPr>
-          <p:cNvPr id="4" name="Picture 3" descr="slide_3293d32e_create_sales_chart.png"/>
+          <p:cNvPr id="4" name="Picture 3" descr="slide_cf449663_create_sales_chart.png"/>
           <p:cNvPicPr>
             <a:picLocks noChangeAspect="1"/>
           </p:cNvPicPr>
@@ -9544,6 +10117,359 @@
 </p:sld>
 </file>
 
+<file path=ppt/slides/slide17.xml><?xml version="1.0" encoding="utf-8"?>
+<p:sld xmlns:a="http://schemas.openxmlformats.org/drawingml/2006/main" xmlns:p="http://schemas.openxmlformats.org/presentationml/2006/main" xmlns:r="http://schemas.openxmlformats.org/officeDocument/2006/relationships">
+  <p:cSld>
+    <p:bg>
+      <p:bgPr>
+        <a:solidFill>
+          <a:srgbClr val="FFFFFF"/>
+        </a:solidFill>
+        <a:effectLst/>
+      </p:bgPr>
+    </p:bg>
+    <p:spTree>
+      <p:nvGrpSpPr>
+        <p:cNvPr id="1" name=""/>
+        <p:cNvGrpSpPr/>
+        <p:nvPr/>
+      </p:nvGrpSpPr>
+      <p:grpSpPr/>
+      <p:sp>
+        <p:nvSpPr>
+          <p:cNvPr id="2" name="TextBox 1"/>
+          <p:cNvSpPr txBox="1"/>
+          <p:nvPr/>
+        </p:nvSpPr>
+        <p:spPr>
+          <a:xfrm>
+            <a:off x="200025" y="180975"/>
+            <a:ext cx="8943975" cy="390525"/>
+          </a:xfrm>
+          <a:prstGeom prst="rect">
+            <a:avLst/>
+          </a:prstGeom>
+          <a:noFill/>
+        </p:spPr>
+        <p:txBody>
+          <a:bodyPr wrap="square" lIns="0" rIns="0" tIns="0" bIns="0">
+            <a:spAutoFit/>
+          </a:bodyPr>
+          <a:lstStyle/>
+          <a:p>
+            <a:pPr algn="l">
+              <a:lnSpc>
+                <a:spcPct val="120000"/>
+              </a:lnSpc>
+              <a:spcBef>
+                <a:spcPts val="0"/>
+              </a:spcBef>
+              <a:spcAft>
+                <a:spcPts val="0"/>
+              </a:spcAft>
+            </a:pPr>
+            <a:r>
+              <a:rPr sz="1600" b="1">
+                <a:solidFill>
+                  <a:srgbClr val="000000"/>
+                </a:solidFill>
+                <a:latin typeface="Arial"/>
+              </a:rPr>
+              <a:t>🎤 Advanced Demo - Speaker Notes Demo</a:t>
+            </a:r>
+          </a:p>
+        </p:txBody>
+      </p:sp>
+      <p:sp>
+        <p:nvSpPr>
+          <p:cNvPr id="3" name="TextBox 2"/>
+          <p:cNvSpPr txBox="1"/>
+          <p:nvPr/>
+        </p:nvSpPr>
+        <p:spPr>
+          <a:xfrm>
+            <a:off x="200025" y="571500"/>
+            <a:ext cx="8943975" cy="274320"/>
+          </a:xfrm>
+          <a:prstGeom prst="rect">
+            <a:avLst/>
+          </a:prstGeom>
+          <a:noFill/>
+        </p:spPr>
+        <p:txBody>
+          <a:bodyPr wrap="square" lIns="0" rIns="0" tIns="0" bIns="0">
+            <a:spAutoFit/>
+          </a:bodyPr>
+          <a:lstStyle/>
+          <a:p>
+            <a:pPr algn="l">
+              <a:lnSpc>
+                <a:spcPct val="120000"/>
+              </a:lnSpc>
+              <a:spcBef>
+                <a:spcPts val="0"/>
+              </a:spcBef>
+              <a:spcAft>
+                <a:spcPts val="0"/>
+              </a:spcAft>
+            </a:pPr>
+            <a:r>
+              <a:rPr sz="1000">
+                <a:solidFill>
+                  <a:srgbClr val="000000"/>
+                </a:solidFill>
+                <a:latin typeface="Arial"/>
+              </a:rPr>
+              <a:t>This demonstrates </a:t>
+            </a:r>
+            <a:r>
+              <a:rPr b="1" sz="1000">
+                <a:solidFill>
+                  <a:srgbClr val="000000"/>
+                </a:solidFill>
+                <a:latin typeface="Arial"/>
+              </a:rPr>
+              <a:t>speaker notes functionality</a:t>
+            </a:r>
+            <a:r>
+              <a:rPr sz="1000">
+                <a:solidFill>
+                  <a:srgbClr val="000000"/>
+                </a:solidFill>
+                <a:latin typeface="Arial"/>
+              </a:rPr>
+              <a:t> with </a:t>
+            </a:r>
+            <a:r>
+              <a:rPr i="1" sz="1000">
+                <a:solidFill>
+                  <a:srgbClr val="000000"/>
+                </a:solidFill>
+                <a:latin typeface="Arial"/>
+              </a:rPr>
+              <a:t>various styling</a:t>
+            </a:r>
+            <a:r>
+              <a:rPr sz="1000">
+                <a:solidFill>
+                  <a:srgbClr val="000000"/>
+                </a:solidFill>
+                <a:latin typeface="Arial"/>
+              </a:rPr>
+              <a:t> and template integration.</a:t>
+            </a:r>
+          </a:p>
+        </p:txBody>
+      </p:sp>
+      <p:sp>
+        <p:nvSpPr>
+          <p:cNvPr id="4" name="TextBox 3"/>
+          <p:cNvSpPr txBox="1"/>
+          <p:nvPr/>
+        </p:nvSpPr>
+        <p:spPr>
+          <a:xfrm>
+            <a:off x="200025" y="800100"/>
+            <a:ext cx="8943975" cy="274320"/>
+          </a:xfrm>
+          <a:prstGeom prst="rect">
+            <a:avLst/>
+          </a:prstGeom>
+          <a:noFill/>
+        </p:spPr>
+        <p:txBody>
+          <a:bodyPr wrap="square" lIns="0" rIns="0" tIns="0" bIns="0">
+            <a:spAutoFit/>
+          </a:bodyPr>
+          <a:lstStyle/>
+          <a:p>
+            <a:pPr algn="l">
+              <a:lnSpc>
+                <a:spcPct val="120000"/>
+              </a:lnSpc>
+              <a:spcBef>
+                <a:spcPts val="0"/>
+              </a:spcBef>
+              <a:spcAft>
+                <a:spcPts val="0"/>
+              </a:spcAft>
+            </a:pPr>
+            <a:r>
+              <a:rPr sz="1000">
+                <a:solidFill>
+                  <a:srgbClr val="000000"/>
+                </a:solidFill>
+                <a:latin typeface="Arial"/>
+              </a:rPr>
+              <a:t>Key features to highlight:</a:t>
+            </a:r>
+          </a:p>
+        </p:txBody>
+      </p:sp>
+      <p:sp>
+        <p:nvSpPr>
+          <p:cNvPr id="5" name="TextBox 4"/>
+          <p:cNvSpPr txBox="1"/>
+          <p:nvPr/>
+        </p:nvSpPr>
+        <p:spPr>
+          <a:xfrm>
+            <a:off x="200025" y="1028700"/>
+            <a:ext cx="8943975" cy="541972"/>
+          </a:xfrm>
+          <a:prstGeom prst="rect">
+            <a:avLst/>
+          </a:prstGeom>
+          <a:noFill/>
+        </p:spPr>
+        <p:txBody>
+          <a:bodyPr wrap="square" lIns="0" rIns="0" tIns="0" bIns="0">
+            <a:spAutoFit/>
+          </a:bodyPr>
+          <a:lstStyle/>
+          <a:p>
+            <a:pPr algn="l">
+              <a:spcBef>
+                <a:spcPts val="0"/>
+              </a:spcBef>
+              <a:spcAft>
+                <a:spcPts val="0"/>
+              </a:spcAft>
+            </a:pPr>
+            <a:r>
+              <a:rPr sz="1000">
+                <a:solidFill>
+                  <a:srgbClr val="000000"/>
+                </a:solidFill>
+                <a:latin typeface="Arial"/>
+              </a:rPr>
+              <a:t>• </a:t>
+            </a:r>
+            <a:r>
+              <a:rPr b="1" sz="1000">
+                <a:solidFill>
+                  <a:srgbClr val="FF8C00"/>
+                </a:solidFill>
+                <a:latin typeface="Arial"/>
+              </a:rPr>
+              <a:t>Template variables</a:t>
+            </a:r>
+            <a:r>
+              <a:rPr sz="1000">
+                <a:solidFill>
+                  <a:srgbClr val="000000"/>
+                </a:solidFill>
+                <a:latin typeface="Arial"/>
+              </a:rPr>
+              <a:t> work with speaker notes: 95.0%</a:t>
+            </a:r>
+          </a:p>
+          <a:p>
+            <a:pPr algn="l"/>
+            <a:r>
+              <a:rPr sz="1000">
+                <a:solidFill>
+                  <a:srgbClr val="000000"/>
+                </a:solidFill>
+                <a:latin typeface="Arial"/>
+              </a:rPr>
+              <a:t>• </a:t>
+            </a:r>
+            <a:r>
+              <a:rPr b="1" sz="1000">
+                <a:solidFill>
+                  <a:srgbClr val="000000"/>
+                </a:solidFill>
+                <a:latin typeface="Arial"/>
+              </a:rPr>
+              <a:t>Bold emphasis</a:t>
+            </a:r>
+            <a:r>
+              <a:rPr sz="1000">
+                <a:solidFill>
+                  <a:srgbClr val="000000"/>
+                </a:solidFill>
+                <a:latin typeface="Arial"/>
+              </a:rPr>
+              <a:t> for important points</a:t>
+            </a:r>
+          </a:p>
+          <a:p>
+            <a:pPr algn="l"/>
+            <a:r>
+              <a:rPr sz="1000">
+                <a:solidFill>
+                  <a:srgbClr val="000000"/>
+                </a:solidFill>
+                <a:latin typeface="Arial"/>
+              </a:rPr>
+              <a:t>• </a:t>
+            </a:r>
+            <a:r>
+              <a:rPr sz="1000">
+                <a:solidFill>
+                  <a:srgbClr val="000000"/>
+                </a:solidFill>
+                <a:latin typeface="Arial"/>
+              </a:rPr>
+              <a:t>Links to documentation for reference</a:t>
+            </a:r>
+          </a:p>
+        </p:txBody>
+      </p:sp>
+      <p:sp>
+        <p:nvSpPr>
+          <p:cNvPr id="6" name="TextBox 5"/>
+          <p:cNvSpPr txBox="1"/>
+          <p:nvPr/>
+        </p:nvSpPr>
+        <p:spPr>
+          <a:xfrm>
+            <a:off x="200025" y="1570672"/>
+            <a:ext cx="8943975" cy="274320"/>
+          </a:xfrm>
+          <a:prstGeom prst="rect">
+            <a:avLst/>
+          </a:prstGeom>
+          <a:noFill/>
+        </p:spPr>
+        <p:txBody>
+          <a:bodyPr wrap="square" lIns="0" rIns="0" tIns="0" bIns="0">
+            <a:spAutoFit/>
+          </a:bodyPr>
+          <a:lstStyle/>
+          <a:p>
+            <a:pPr algn="l">
+              <a:lnSpc>
+                <a:spcPct val="120000"/>
+              </a:lnSpc>
+              <a:spcBef>
+                <a:spcPts val="0"/>
+              </a:spcBef>
+              <a:spcAft>
+                <a:spcPts val="0"/>
+              </a:spcAft>
+            </a:pPr>
+            <a:r>
+              <a:rPr sz="1000">
+                <a:solidFill>
+                  <a:srgbClr val="000000"/>
+                </a:solidFill>
+                <a:latin typeface="Arial"/>
+              </a:rPr>
+              <a:t>The TechCorp Solutions team has achieved excellent results this quarter.</a:t>
+            </a:r>
+          </a:p>
+        </p:txBody>
+      </p:sp>
+    </p:spTree>
+  </p:cSld>
+  <p:clrMapOvr>
+    <a:masterClrMapping/>
+  </p:clrMapOvr>
+</p:sld>
+</file>
+
 <file path=ppt/slides/slide2.xml><?xml version="1.0" encoding="utf-8"?>
 <p:sld xmlns:a="http://schemas.openxmlformats.org/drawingml/2006/main" xmlns:p="http://schemas.openxmlformats.org/presentationml/2006/main" xmlns:r="http://schemas.openxmlformats.org/officeDocument/2006/relationships">
   <p:cSld>
@@ -9992,7 +10918,7 @@
       </p:sp>
       <p:pic>
         <p:nvPicPr>
-          <p:cNvPr id="4" name="Picture 3" descr="slide_3293d32e_create_sales_chart.png"/>
+          <p:cNvPr id="4" name="Picture 3" descr="slide_cf449663_create_sales_chart.png"/>
           <p:cNvPicPr>
             <a:picLocks noChangeAspect="1"/>
           </p:cNvPicPr>
@@ -10359,7 +11285,7 @@
       </p:sp>
       <p:pic>
         <p:nvPicPr>
-          <p:cNvPr id="4" name="Picture 3" descr="slide_0c5545a9_create_market_share.png"/>
+          <p:cNvPr id="4" name="Picture 3" descr="slide_08d054bf_create_market_share.png"/>
           <p:cNvPicPr>
             <a:picLocks noChangeAspect="1"/>
           </p:cNvPicPr>
@@ -18346,4 +19272,324 @@
   </a:objectDefaults>
   <a:extraClrSchemeLst/>
 </a:theme>
+</file>
+
+<file path=ppt/theme/theme2.xml><?xml version="1.0" encoding="utf-8"?>
+<a:theme xmlns:a="http://schemas.openxmlformats.org/drawingml/2006/main" name="Office Theme">
+  <a:themeElements>
+    <a:clrScheme name="Office">
+      <a:dk1>
+        <a:sysClr val="windowText" lastClr="000000"/>
+      </a:dk1>
+      <a:lt1>
+        <a:sysClr val="window" lastClr="FFFFFF"/>
+      </a:lt1>
+      <a:dk2>
+        <a:srgbClr val="1F497D"/>
+      </a:dk2>
+      <a:lt2>
+        <a:srgbClr val="EEECE1"/>
+      </a:lt2>
+      <a:accent1>
+        <a:srgbClr val="4F81BD"/>
+      </a:accent1>
+      <a:accent2>
+        <a:srgbClr val="C0504D"/>
+      </a:accent2>
+      <a:accent3>
+        <a:srgbClr val="9BBB59"/>
+      </a:accent3>
+      <a:accent4>
+        <a:srgbClr val="8064A2"/>
+      </a:accent4>
+      <a:accent5>
+        <a:srgbClr val="4BACC6"/>
+      </a:accent5>
+      <a:accent6>
+        <a:srgbClr val="F79646"/>
+      </a:accent6>
+      <a:hlink>
+        <a:srgbClr val="0000FF"/>
+      </a:hlink>
+      <a:folHlink>
+        <a:srgbClr val="800080"/>
+      </a:folHlink>
+    </a:clrScheme>
+    <a:fontScheme name="Office">
+      <a:majorFont>
+        <a:latin typeface="Calibri"/>
+        <a:ea typeface=""/>
+        <a:cs typeface=""/>
+        <a:font script="Jpan" typeface="ＭＳ Ｐゴシック"/>
+        <a:font script="Hang" typeface="맑은 고딕"/>
+        <a:font script="Hans" typeface="宋体"/>
+        <a:font script="Hant" typeface="新細明體"/>
+        <a:font script="Arab" typeface="Times New Roman"/>
+        <a:font script="Hebr" typeface="Times New Roman"/>
+        <a:font script="Thai" typeface="Angsana New"/>
+        <a:font script="Ethi" typeface="Nyala"/>
+        <a:font script="Beng" typeface="Vrinda"/>
+        <a:font script="Gujr" typeface="Shruti"/>
+        <a:font script="Khmr" typeface="MoolBoran"/>
+        <a:font script="Knda" typeface="Tunga"/>
+        <a:font script="Guru" typeface="Raavi"/>
+        <a:font script="Cans" typeface="Euphemia"/>
+        <a:font script="Cher" typeface="Plantagenet Cherokee"/>
+        <a:font script="Yiii" typeface="Microsoft Yi Baiti"/>
+        <a:font script="Tibt" typeface="Microsoft Himalaya"/>
+        <a:font script="Thaa" typeface="MV Boli"/>
+        <a:font script="Deva" typeface="Mangal"/>
+        <a:font script="Telu" typeface="Gautami"/>
+        <a:font script="Taml" typeface="Latha"/>
+        <a:font script="Syrc" typeface="Estrangelo Edessa"/>
+        <a:font script="Orya" typeface="Kalinga"/>
+        <a:font script="Mlym" typeface="Kartika"/>
+        <a:font script="Laoo" typeface="DokChampa"/>
+        <a:font script="Sinh" typeface="Iskoola Pota"/>
+        <a:font script="Mong" typeface="Mongolian Baiti"/>
+        <a:font script="Viet" typeface="Times New Roman"/>
+        <a:font script="Uigh" typeface="Microsoft Uighur"/>
+        <a:font script="Geor" typeface="Sylfaen"/>
+      </a:majorFont>
+      <a:minorFont>
+        <a:latin typeface="Calibri"/>
+        <a:ea typeface=""/>
+        <a:cs typeface=""/>
+        <a:font script="Jpan" typeface="ＭＳ Ｐゴシック"/>
+        <a:font script="Hang" typeface="맑은 고딕"/>
+        <a:font script="Hans" typeface="宋体"/>
+        <a:font script="Hant" typeface="新細明體"/>
+        <a:font script="Arab" typeface="Arial"/>
+        <a:font script="Hebr" typeface="Arial"/>
+        <a:font script="Thai" typeface="Cordia New"/>
+        <a:font script="Ethi" typeface="Nyala"/>
+        <a:font script="Beng" typeface="Vrinda"/>
+        <a:font script="Gujr" typeface="Shruti"/>
+        <a:font script="Khmr" typeface="DaunPenh"/>
+        <a:font script="Knda" typeface="Tunga"/>
+        <a:font script="Guru" typeface="Raavi"/>
+        <a:font script="Cans" typeface="Euphemia"/>
+        <a:font script="Cher" typeface="Plantagenet Cherokee"/>
+        <a:font script="Yiii" typeface="Microsoft Yi Baiti"/>
+        <a:font script="Tibt" typeface="Microsoft Himalaya"/>
+        <a:font script="Thaa" typeface="MV Boli"/>
+        <a:font script="Deva" typeface="Mangal"/>
+        <a:font script="Telu" typeface="Gautami"/>
+        <a:font script="Taml" typeface="Latha"/>
+        <a:font script="Syrc" typeface="Estrangelo Edessa"/>
+        <a:font script="Orya" typeface="Kalinga"/>
+        <a:font script="Mlym" typeface="Kartika"/>
+        <a:font script="Laoo" typeface="DokChampa"/>
+        <a:font script="Sinh" typeface="Iskoola Pota"/>
+        <a:font script="Mong" typeface="Mongolian Baiti"/>
+        <a:font script="Viet" typeface="Arial"/>
+        <a:font script="Uigh" typeface="Microsoft Uighur"/>
+        <a:font script="Geor" typeface="Sylfaen"/>
+      </a:minorFont>
+    </a:fontScheme>
+    <a:fmtScheme name="Office">
+      <a:fillStyleLst>
+        <a:solidFill>
+          <a:schemeClr val="phClr"/>
+        </a:solidFill>
+        <a:gradFill rotWithShape="1">
+          <a:gsLst>
+            <a:gs pos="0">
+              <a:schemeClr val="phClr">
+                <a:tint val="50000"/>
+                <a:satMod val="300000"/>
+              </a:schemeClr>
+            </a:gs>
+            <a:gs pos="35000">
+              <a:schemeClr val="phClr">
+                <a:tint val="37000"/>
+                <a:satMod val="300000"/>
+              </a:schemeClr>
+            </a:gs>
+            <a:gs pos="100000">
+              <a:schemeClr val="phClr">
+                <a:tint val="15000"/>
+                <a:satMod val="350000"/>
+              </a:schemeClr>
+            </a:gs>
+          </a:gsLst>
+          <a:lin ang="16200000" scaled="1"/>
+        </a:gradFill>
+        <a:gradFill rotWithShape="1">
+          <a:gsLst>
+            <a:gs pos="0">
+              <a:schemeClr val="phClr">
+                <a:tint val="100000"/>
+                <a:shade val="100000"/>
+                <a:satMod val="130000"/>
+              </a:schemeClr>
+            </a:gs>
+            <a:gs pos="100000">
+              <a:schemeClr val="phClr">
+                <a:tint val="50000"/>
+                <a:shade val="100000"/>
+                <a:satMod val="350000"/>
+              </a:schemeClr>
+            </a:gs>
+          </a:gsLst>
+          <a:lin ang="16200000" scaled="0"/>
+        </a:gradFill>
+      </a:fillStyleLst>
+      <a:lnStyleLst>
+        <a:ln w="9525" cap="flat" cmpd="sng" algn="ctr">
+          <a:solidFill>
+            <a:schemeClr val="phClr">
+              <a:shade val="95000"/>
+              <a:satMod val="105000"/>
+            </a:schemeClr>
+          </a:solidFill>
+          <a:prstDash val="solid"/>
+        </a:ln>
+        <a:ln w="25400" cap="flat" cmpd="sng" algn="ctr">
+          <a:solidFill>
+            <a:schemeClr val="phClr"/>
+          </a:solidFill>
+          <a:prstDash val="solid"/>
+        </a:ln>
+        <a:ln w="38100" cap="flat" cmpd="sng" algn="ctr">
+          <a:solidFill>
+            <a:schemeClr val="phClr"/>
+          </a:solidFill>
+          <a:prstDash val="solid"/>
+        </a:ln>
+      </a:lnStyleLst>
+      <a:effectStyleLst>
+        <a:effectStyle>
+          <a:effectLst>
+            <a:outerShdw blurRad="40000" dist="20000" dir="5400000" rotWithShape="0">
+              <a:srgbClr val="000000">
+                <a:alpha val="38000"/>
+              </a:srgbClr>
+            </a:outerShdw>
+          </a:effectLst>
+        </a:effectStyle>
+        <a:effectStyle>
+          <a:effectLst>
+            <a:outerShdw blurRad="40000" dist="23000" dir="5400000" rotWithShape="0">
+              <a:srgbClr val="000000">
+                <a:alpha val="35000"/>
+              </a:srgbClr>
+            </a:outerShdw>
+          </a:effectLst>
+        </a:effectStyle>
+        <a:effectStyle>
+          <a:effectLst>
+            <a:outerShdw blurRad="40000" dist="23000" dir="5400000" rotWithShape="0">
+              <a:srgbClr val="000000">
+                <a:alpha val="35000"/>
+              </a:srgbClr>
+            </a:outerShdw>
+          </a:effectLst>
+          <a:scene3d>
+            <a:camera prst="orthographicFront">
+              <a:rot lat="0" lon="0" rev="0"/>
+            </a:camera>
+            <a:lightRig rig="threePt" dir="t">
+              <a:rot lat="0" lon="0" rev="1200000"/>
+            </a:lightRig>
+          </a:scene3d>
+          <a:sp3d>
+            <a:bevelT w="63500" h="25400"/>
+          </a:sp3d>
+        </a:effectStyle>
+      </a:effectStyleLst>
+      <a:bgFillStyleLst>
+        <a:solidFill>
+          <a:schemeClr val="phClr"/>
+        </a:solidFill>
+        <a:gradFill rotWithShape="1">
+          <a:gsLst>
+            <a:gs pos="0">
+              <a:schemeClr val="phClr">
+                <a:tint val="40000"/>
+                <a:satMod val="350000"/>
+              </a:schemeClr>
+            </a:gs>
+            <a:gs pos="40000">
+              <a:schemeClr val="phClr">
+                <a:tint val="45000"/>
+                <a:shade val="99000"/>
+                <a:satMod val="350000"/>
+              </a:schemeClr>
+            </a:gs>
+            <a:gs pos="100000">
+              <a:schemeClr val="phClr">
+                <a:shade val="20000"/>
+                <a:satMod val="255000"/>
+              </a:schemeClr>
+            </a:gs>
+          </a:gsLst>
+          <a:path path="circle">
+            <a:fillToRect l="50000" t="-80000" r="50000" b="180000"/>
+          </a:path>
+        </a:gradFill>
+        <a:gradFill rotWithShape="1">
+          <a:gsLst>
+            <a:gs pos="0">
+              <a:schemeClr val="phClr">
+                <a:tint val="80000"/>
+                <a:satMod val="300000"/>
+              </a:schemeClr>
+            </a:gs>
+            <a:gs pos="100000">
+              <a:schemeClr val="phClr">
+                <a:shade val="30000"/>
+                <a:satMod val="200000"/>
+              </a:schemeClr>
+            </a:gs>
+          </a:gsLst>
+          <a:path path="circle">
+            <a:fillToRect l="50000" t="50000" r="50000" b="50000"/>
+          </a:path>
+        </a:gradFill>
+      </a:bgFillStyleLst>
+    </a:fmtScheme>
+  </a:themeElements>
+  <a:objectDefaults>
+    <a:spDef>
+      <a:spPr/>
+      <a:bodyPr/>
+      <a:lstStyle/>
+      <a:style>
+        <a:lnRef idx="1">
+          <a:schemeClr val="accent1"/>
+        </a:lnRef>
+        <a:fillRef idx="3">
+          <a:schemeClr val="accent1"/>
+        </a:fillRef>
+        <a:effectRef idx="2">
+          <a:schemeClr val="accent1"/>
+        </a:effectRef>
+        <a:fontRef idx="minor">
+          <a:schemeClr val="lt1"/>
+        </a:fontRef>
+      </a:style>
+    </a:spDef>
+    <a:lnDef>
+      <a:spPr/>
+      <a:bodyPr/>
+      <a:lstStyle/>
+      <a:style>
+        <a:lnRef idx="2">
+          <a:schemeClr val="accent1"/>
+        </a:lnRef>
+        <a:fillRef idx="0">
+          <a:schemeClr val="accent1"/>
+        </a:fillRef>
+        <a:effectRef idx="1">
+          <a:schemeClr val="accent1"/>
+        </a:effectRef>
+        <a:fontRef idx="minor">
+          <a:schemeClr val="tx1"/>
+        </a:fontRef>
+      </a:style>
+    </a:lnDef>
+  </a:objectDefaults>
+  <a:extraClrSchemeLst/>
+</a:theme>
 </file>